--- a/4-1/빅데이터/16 로지스틱 회귀분석/16 로지스틱 회귀분석.pptx
+++ b/4-1/빅데이터/16 로지스틱 회귀분석/16 로지스틱 회귀분석.pptx
@@ -5,19 +5,21 @@
     <p:sldMasterId id="2147483648" r:id="rId1"/>
   </p:sldMasterIdLst>
   <p:notesMasterIdLst>
-    <p:notesMasterId r:id="rId12"/>
+    <p:notesMasterId r:id="rId14"/>
   </p:notesMasterIdLst>
   <p:sldIdLst>
     <p:sldId id="371" r:id="rId2"/>
-    <p:sldId id="428" r:id="rId3"/>
-    <p:sldId id="454" r:id="rId4"/>
-    <p:sldId id="455" r:id="rId5"/>
-    <p:sldId id="456" r:id="rId6"/>
-    <p:sldId id="460" r:id="rId7"/>
-    <p:sldId id="457" r:id="rId8"/>
-    <p:sldId id="458" r:id="rId9"/>
-    <p:sldId id="459" r:id="rId10"/>
-    <p:sldId id="421" r:id="rId11"/>
+    <p:sldId id="454" r:id="rId3"/>
+    <p:sldId id="455" r:id="rId4"/>
+    <p:sldId id="456" r:id="rId5"/>
+    <p:sldId id="460" r:id="rId6"/>
+    <p:sldId id="457" r:id="rId7"/>
+    <p:sldId id="458" r:id="rId8"/>
+    <p:sldId id="459" r:id="rId9"/>
+    <p:sldId id="461" r:id="rId10"/>
+    <p:sldId id="462" r:id="rId11"/>
+    <p:sldId id="463" r:id="rId12"/>
+    <p:sldId id="421" r:id="rId13"/>
   </p:sldIdLst>
   <p:sldSz cx="9144000" cy="6858000" type="screen4x3"/>
   <p:notesSz cx="7104063" cy="10234613"/>
@@ -202,7 +204,7 @@
             <a:fld id="{7C93A5E4-EFBF-42F1-9D6D-150DBC18A077}" type="datetimeFigureOut">
               <a:rPr lang="ko-KR" altLang="en-US" smtClean="0"/>
               <a:pPr/>
-              <a:t>2019-04-23</a:t>
+              <a:t>2019-04-29</a:t>
             </a:fld>
             <a:endParaRPr lang="ko-KR" altLang="en-US"/>
           </a:p>
@@ -3826,6 +3828,501 @@
       </p:grpSpPr>
       <p:sp>
         <p:nvSpPr>
+          <p:cNvPr id="2" name="제목 1"/>
+          <p:cNvSpPr>
+            <a:spLocks noGrp="1"/>
+          </p:cNvSpPr>
+          <p:nvPr>
+            <p:ph type="title"/>
+          </p:nvPr>
+        </p:nvSpPr>
+        <p:spPr/>
+        <p:txBody>
+          <a:bodyPr/>
+          <a:lstStyle/>
+          <a:p>
+            <a:r>
+              <a:rPr lang="en-US" altLang="ko-KR" dirty="0" smtClean="0"/>
+              <a:t>(</a:t>
+            </a:r>
+            <a:r>
+              <a:rPr lang="ko-KR" altLang="en-US" dirty="0" smtClean="0"/>
+              <a:t>추가</a:t>
+            </a:r>
+            <a:r>
+              <a:rPr lang="en-US" altLang="ko-KR" dirty="0" smtClean="0"/>
+              <a:t>)</a:t>
+            </a:r>
+            <a:endParaRPr lang="ko-KR" altLang="en-US" dirty="0"/>
+          </a:p>
+        </p:txBody>
+      </p:sp>
+      <p:sp>
+        <p:nvSpPr>
+          <p:cNvPr id="3" name="내용 개체 틀 2"/>
+          <p:cNvSpPr>
+            <a:spLocks noGrp="1"/>
+          </p:cNvSpPr>
+          <p:nvPr>
+            <p:ph idx="1"/>
+          </p:nvPr>
+        </p:nvSpPr>
+        <p:spPr>
+          <a:xfrm>
+            <a:off x="441354" y="764704"/>
+            <a:ext cx="8274050" cy="1317006"/>
+          </a:xfrm>
+        </p:spPr>
+        <p:txBody>
+          <a:bodyPr/>
+          <a:lstStyle/>
+          <a:p>
+            <a:r>
+              <a:rPr lang="en-US" altLang="ko-KR" dirty="0" smtClean="0"/>
+              <a:t>Logistic Regression : </a:t>
+            </a:r>
+            <a:r>
+              <a:rPr lang="en-US" altLang="ko-KR" dirty="0"/>
+              <a:t>Multinomial </a:t>
+            </a:r>
+            <a:r>
+              <a:rPr lang="en-US" altLang="ko-KR" dirty="0" smtClean="0"/>
+              <a:t>classification</a:t>
+            </a:r>
+          </a:p>
+          <a:p>
+            <a:pPr lvl="1"/>
+            <a:r>
+              <a:rPr lang="en-US" altLang="ko-KR" dirty="0" smtClean="0"/>
+              <a:t>Data: Iris </a:t>
+            </a:r>
+            <a:r>
+              <a:rPr lang="ko-KR" altLang="en-US" dirty="0" smtClean="0"/>
+              <a:t>꽃 데이터 </a:t>
+            </a:r>
+            <a:r>
+              <a:rPr lang="en-US" altLang="ko-KR" dirty="0" smtClean="0"/>
+              <a:t>(X: 6</a:t>
+            </a:r>
+            <a:r>
+              <a:rPr lang="ko-KR" altLang="en-US" dirty="0" smtClean="0"/>
+              <a:t>개항</a:t>
+            </a:r>
+            <a:r>
+              <a:rPr lang="en-US" altLang="ko-KR" dirty="0" smtClean="0"/>
+              <a:t>, y: 3 classes) </a:t>
+            </a:r>
+          </a:p>
+          <a:p>
+            <a:pPr lvl="1"/>
+            <a:endParaRPr lang="en-US" altLang="ko-KR" dirty="0"/>
+          </a:p>
+          <a:p>
+            <a:pPr lvl="1"/>
+            <a:endParaRPr lang="ko-KR" altLang="en-US" dirty="0"/>
+          </a:p>
+        </p:txBody>
+      </p:sp>
+      <p:sp>
+        <p:nvSpPr>
+          <p:cNvPr id="4" name="TextBox 3"/>
+          <p:cNvSpPr txBox="1"/>
+          <p:nvPr/>
+        </p:nvSpPr>
+        <p:spPr>
+          <a:xfrm>
+            <a:off x="1187624" y="1556792"/>
+            <a:ext cx="6650860" cy="307777"/>
+          </a:xfrm>
+          <a:prstGeom prst="rect">
+            <a:avLst/>
+          </a:prstGeom>
+          <a:noFill/>
+        </p:spPr>
+        <p:txBody>
+          <a:bodyPr wrap="none" rtlCol="0">
+            <a:spAutoFit/>
+          </a:bodyPr>
+          <a:lstStyle/>
+          <a:p>
+            <a:r>
+              <a:rPr lang="en-US" altLang="ko-KR" sz="1400" dirty="0">
+                <a:hlinkClick r:id="rId2"/>
+              </a:rPr>
+              <a:t>https://scikit-learn.org/stable/modules/generated/sklearn.datasets.load_iris.html</a:t>
+            </a:r>
+            <a:endParaRPr lang="ko-KR" altLang="en-US" sz="1400" dirty="0"/>
+          </a:p>
+        </p:txBody>
+      </p:sp>
+      <p:sp>
+        <p:nvSpPr>
+          <p:cNvPr id="5" name="TextBox 4"/>
+          <p:cNvSpPr txBox="1"/>
+          <p:nvPr/>
+        </p:nvSpPr>
+        <p:spPr>
+          <a:xfrm>
+            <a:off x="1230170" y="3933056"/>
+            <a:ext cx="6366166" cy="2308324"/>
+          </a:xfrm>
+          <a:prstGeom prst="rect">
+            <a:avLst/>
+          </a:prstGeom>
+        </p:spPr>
+        <p:style>
+          <a:lnRef idx="2">
+            <a:schemeClr val="dk1"/>
+          </a:lnRef>
+          <a:fillRef idx="1">
+            <a:schemeClr val="lt1"/>
+          </a:fillRef>
+          <a:effectRef idx="0">
+            <a:schemeClr val="dk1"/>
+          </a:effectRef>
+          <a:fontRef idx="minor">
+            <a:schemeClr val="dk1"/>
+          </a:fontRef>
+        </p:style>
+        <p:txBody>
+          <a:bodyPr wrap="none" rtlCol="0">
+            <a:spAutoFit/>
+          </a:bodyPr>
+          <a:lstStyle/>
+          <a:p>
+            <a:r>
+              <a:rPr lang="en-US" altLang="ko-KR" dirty="0"/>
+              <a:t>from </a:t>
+            </a:r>
+            <a:r>
+              <a:rPr lang="en-US" altLang="ko-KR" dirty="0" err="1"/>
+              <a:t>sklearn.datasets</a:t>
+            </a:r>
+            <a:r>
+              <a:rPr lang="en-US" altLang="ko-KR" dirty="0"/>
+              <a:t> import </a:t>
+            </a:r>
+            <a:r>
+              <a:rPr lang="en-US" altLang="ko-KR" dirty="0" err="1"/>
+              <a:t>load_iris</a:t>
+            </a:r>
+            <a:endParaRPr lang="en-US" altLang="ko-KR" dirty="0"/>
+          </a:p>
+          <a:p>
+            <a:r>
+              <a:rPr lang="en-US" altLang="ko-KR" dirty="0"/>
+              <a:t>from </a:t>
+            </a:r>
+            <a:r>
+              <a:rPr lang="en-US" altLang="ko-KR" dirty="0" err="1"/>
+              <a:t>sklearn.linear_model</a:t>
+            </a:r>
+            <a:r>
+              <a:rPr lang="en-US" altLang="ko-KR" dirty="0"/>
+              <a:t> import </a:t>
+            </a:r>
+            <a:r>
+              <a:rPr lang="en-US" altLang="ko-KR" dirty="0" err="1"/>
+              <a:t>LogisticRegression</a:t>
+            </a:r>
+            <a:endParaRPr lang="en-US" altLang="ko-KR" dirty="0"/>
+          </a:p>
+          <a:p>
+            <a:r>
+              <a:rPr lang="en-US" altLang="ko-KR" dirty="0"/>
+              <a:t>X, y = </a:t>
+            </a:r>
+            <a:r>
+              <a:rPr lang="en-US" altLang="ko-KR" dirty="0" err="1"/>
+              <a:t>load_iris</a:t>
+            </a:r>
+            <a:r>
+              <a:rPr lang="en-US" altLang="ko-KR" dirty="0"/>
+              <a:t>(</a:t>
+            </a:r>
+            <a:r>
+              <a:rPr lang="en-US" altLang="ko-KR" dirty="0" err="1"/>
+              <a:t>return_X_y</a:t>
+            </a:r>
+            <a:r>
+              <a:rPr lang="en-US" altLang="ko-KR" dirty="0"/>
+              <a:t>=True)</a:t>
+            </a:r>
+          </a:p>
+          <a:p>
+            <a:r>
+              <a:rPr lang="en-US" altLang="ko-KR" dirty="0" err="1"/>
+              <a:t>clf</a:t>
+            </a:r>
+            <a:r>
+              <a:rPr lang="en-US" altLang="ko-KR" dirty="0"/>
+              <a:t> = </a:t>
+            </a:r>
+            <a:r>
+              <a:rPr lang="en-US" altLang="ko-KR" dirty="0" err="1"/>
+              <a:t>LogisticRegression</a:t>
+            </a:r>
+            <a:r>
+              <a:rPr lang="en-US" altLang="ko-KR" dirty="0"/>
+              <a:t>(</a:t>
+            </a:r>
+            <a:r>
+              <a:rPr lang="en-US" altLang="ko-KR" dirty="0" err="1"/>
+              <a:t>random_state</a:t>
+            </a:r>
+            <a:r>
+              <a:rPr lang="en-US" altLang="ko-KR" dirty="0"/>
+              <a:t>=0, </a:t>
+            </a:r>
+            <a:r>
+              <a:rPr lang="en-US" altLang="ko-KR" dirty="0" err="1"/>
+              <a:t>max_iter</a:t>
+            </a:r>
+            <a:r>
+              <a:rPr lang="en-US" altLang="ko-KR" dirty="0"/>
+              <a:t>=10000, </a:t>
+            </a:r>
+            <a:endParaRPr lang="en-US" altLang="ko-KR" dirty="0" smtClean="0"/>
+          </a:p>
+          <a:p>
+            <a:r>
+              <a:rPr lang="en-US" altLang="ko-KR" dirty="0"/>
+              <a:t> </a:t>
+            </a:r>
+            <a:r>
+              <a:rPr lang="en-US" altLang="ko-KR" dirty="0" smtClean="0"/>
+              <a:t>       solver</a:t>
+            </a:r>
+            <a:r>
+              <a:rPr lang="en-US" altLang="ko-KR" dirty="0"/>
+              <a:t>='</a:t>
+            </a:r>
+            <a:r>
+              <a:rPr lang="en-US" altLang="ko-KR" dirty="0" err="1"/>
+              <a:t>lbfgs</a:t>
+            </a:r>
+            <a:r>
+              <a:rPr lang="en-US" altLang="ko-KR" dirty="0"/>
+              <a:t>',</a:t>
+            </a:r>
+            <a:r>
+              <a:rPr lang="en-US" altLang="ko-KR" dirty="0" err="1"/>
+              <a:t>multi_class</a:t>
+            </a:r>
+            <a:r>
+              <a:rPr lang="en-US" altLang="ko-KR" dirty="0"/>
+              <a:t>='multinomial').fit(X, y)</a:t>
+            </a:r>
+          </a:p>
+          <a:p>
+            <a:r>
+              <a:rPr lang="en-US" altLang="ko-KR" dirty="0" err="1"/>
+              <a:t>clf.predict</a:t>
+            </a:r>
+            <a:r>
+              <a:rPr lang="en-US" altLang="ko-KR" dirty="0"/>
+              <a:t>(X[:2, :])</a:t>
+            </a:r>
+          </a:p>
+          <a:p>
+            <a:r>
+              <a:rPr lang="en-US" altLang="ko-KR" dirty="0" err="1"/>
+              <a:t>clf.predict_proba</a:t>
+            </a:r>
+            <a:r>
+              <a:rPr lang="en-US" altLang="ko-KR" dirty="0"/>
+              <a:t>(X[:2, :]) </a:t>
+            </a:r>
+          </a:p>
+          <a:p>
+            <a:r>
+              <a:rPr lang="en-US" altLang="ko-KR" dirty="0" err="1"/>
+              <a:t>clf.score</a:t>
+            </a:r>
+            <a:r>
+              <a:rPr lang="en-US" altLang="ko-KR" dirty="0"/>
+              <a:t>(X, y)</a:t>
+            </a:r>
+            <a:endParaRPr lang="ko-KR" altLang="en-US" dirty="0"/>
+          </a:p>
+        </p:txBody>
+      </p:sp>
+      <p:pic>
+        <p:nvPicPr>
+          <p:cNvPr id="1026" name="Picture 2"/>
+          <p:cNvPicPr>
+            <a:picLocks noChangeAspect="1" noChangeArrowheads="1"/>
+          </p:cNvPicPr>
+          <p:nvPr/>
+        </p:nvPicPr>
+        <p:blipFill>
+          <a:blip r:embed="rId3">
+            <a:extLst>
+              <a:ext uri="{28A0092B-C50C-407E-A947-70E740481C1C}">
+                <a14:useLocalDpi xmlns:a14="http://schemas.microsoft.com/office/drawing/2010/main" val="0"/>
+              </a:ext>
+            </a:extLst>
+          </a:blip>
+          <a:srcRect/>
+          <a:stretch>
+            <a:fillRect/>
+          </a:stretch>
+        </p:blipFill>
+        <p:spPr bwMode="auto">
+          <a:xfrm>
+            <a:off x="1403648" y="1844824"/>
+            <a:ext cx="6143625" cy="2047875"/>
+          </a:xfrm>
+          <a:prstGeom prst="rect">
+            <a:avLst/>
+          </a:prstGeom>
+          <a:noFill/>
+          <a:ln>
+            <a:noFill/>
+          </a:ln>
+          <a:effectLst/>
+          <a:extLst>
+            <a:ext uri="{909E8E84-426E-40DD-AFC4-6F175D3DCCD1}">
+              <a14:hiddenFill xmlns:a14="http://schemas.microsoft.com/office/drawing/2010/main">
+                <a:solidFill>
+                  <a:schemeClr val="accent1"/>
+                </a:solidFill>
+              </a14:hiddenFill>
+            </a:ext>
+            <a:ext uri="{91240B29-F687-4F45-9708-019B960494DF}">
+              <a14:hiddenLine xmlns:a14="http://schemas.microsoft.com/office/drawing/2010/main" w="9525">
+                <a:solidFill>
+                  <a:schemeClr val="tx1"/>
+                </a:solidFill>
+                <a:miter lim="800000"/>
+                <a:headEnd/>
+                <a:tailEnd/>
+              </a14:hiddenLine>
+            </a:ext>
+            <a:ext uri="{AF507438-7753-43E0-B8FC-AC1667EBCBE1}">
+              <a14:hiddenEffects xmlns:a14="http://schemas.microsoft.com/office/drawing/2010/main">
+                <a:effectLst>
+                  <a:outerShdw dist="35921" dir="2700000" algn="ctr" rotWithShape="0">
+                    <a:schemeClr val="bg2"/>
+                  </a:outerShdw>
+                </a:effectLst>
+              </a14:hiddenEffects>
+            </a:ext>
+          </a:extLst>
+        </p:spPr>
+      </p:pic>
+    </p:spTree>
+    <p:extLst>
+      <p:ext uri="{BB962C8B-B14F-4D97-AF65-F5344CB8AC3E}">
+        <p14:creationId xmlns:p14="http://schemas.microsoft.com/office/powerpoint/2010/main" val="1744702116"/>
+      </p:ext>
+    </p:extLst>
+  </p:cSld>
+  <p:clrMapOvr>
+    <a:masterClrMapping/>
+  </p:clrMapOvr>
+</p:sld>
+</file>
+
+<file path=ppt/slides/slide11.xml><?xml version="1.0" encoding="utf-8"?>
+<p:sld xmlns:a="http://schemas.openxmlformats.org/drawingml/2006/main" xmlns:r="http://schemas.openxmlformats.org/officeDocument/2006/relationships" xmlns:p="http://schemas.openxmlformats.org/presentationml/2006/main">
+  <p:cSld>
+    <p:spTree>
+      <p:nvGrpSpPr>
+        <p:cNvPr id="1" name=""/>
+        <p:cNvGrpSpPr/>
+        <p:nvPr/>
+      </p:nvGrpSpPr>
+      <p:grpSpPr>
+        <a:xfrm>
+          <a:off x="0" y="0"/>
+          <a:ext cx="0" cy="0"/>
+          <a:chOff x="0" y="0"/>
+          <a:chExt cx="0" cy="0"/>
+        </a:xfrm>
+      </p:grpSpPr>
+      <p:sp>
+        <p:nvSpPr>
+          <p:cNvPr id="2" name="제목 1"/>
+          <p:cNvSpPr>
+            <a:spLocks noGrp="1"/>
+          </p:cNvSpPr>
+          <p:nvPr>
+            <p:ph type="title"/>
+          </p:nvPr>
+        </p:nvSpPr>
+        <p:spPr/>
+        <p:txBody>
+          <a:bodyPr/>
+          <a:lstStyle/>
+          <a:p>
+            <a:r>
+              <a:rPr lang="en-US" altLang="ko-KR" dirty="0" smtClean="0"/>
+              <a:t>16.5 SVM (</a:t>
+            </a:r>
+            <a:r>
+              <a:rPr lang="ko-KR" altLang="en-US" dirty="0" smtClean="0"/>
+              <a:t>학부범위 제외</a:t>
+            </a:r>
+            <a:r>
+              <a:rPr lang="en-US" altLang="ko-KR" dirty="0" smtClean="0"/>
+              <a:t>) </a:t>
+            </a:r>
+            <a:endParaRPr lang="ko-KR" altLang="en-US" dirty="0"/>
+          </a:p>
+        </p:txBody>
+      </p:sp>
+      <p:sp>
+        <p:nvSpPr>
+          <p:cNvPr id="3" name="내용 개체 틀 2"/>
+          <p:cNvSpPr>
+            <a:spLocks noGrp="1"/>
+          </p:cNvSpPr>
+          <p:nvPr>
+            <p:ph idx="1"/>
+          </p:nvPr>
+        </p:nvSpPr>
+        <p:spPr/>
+        <p:txBody>
+          <a:bodyPr/>
+          <a:lstStyle/>
+          <a:p>
+            <a:endParaRPr lang="ko-KR" altLang="en-US"/>
+          </a:p>
+        </p:txBody>
+      </p:sp>
+    </p:spTree>
+    <p:extLst>
+      <p:ext uri="{BB962C8B-B14F-4D97-AF65-F5344CB8AC3E}">
+        <p14:creationId xmlns:p14="http://schemas.microsoft.com/office/powerpoint/2010/main" val="3384393230"/>
+      </p:ext>
+    </p:extLst>
+  </p:cSld>
+  <p:clrMapOvr>
+    <a:masterClrMapping/>
+  </p:clrMapOvr>
+</p:sld>
+</file>
+
+<file path=ppt/slides/slide12.xml><?xml version="1.0" encoding="utf-8"?>
+<p:sld xmlns:a="http://schemas.openxmlformats.org/drawingml/2006/main" xmlns:r="http://schemas.openxmlformats.org/officeDocument/2006/relationships" xmlns:p="http://schemas.openxmlformats.org/presentationml/2006/main">
+  <p:cSld>
+    <p:spTree>
+      <p:nvGrpSpPr>
+        <p:cNvPr id="1" name=""/>
+        <p:cNvGrpSpPr/>
+        <p:nvPr/>
+      </p:nvGrpSpPr>
+      <p:grpSpPr>
+        <a:xfrm>
+          <a:off x="0" y="0"/>
+          <a:ext cx="0" cy="0"/>
+          <a:chOff x="0" y="0"/>
+          <a:chExt cx="0" cy="0"/>
+        </a:xfrm>
+      </p:grpSpPr>
+      <p:sp>
+        <p:nvSpPr>
           <p:cNvPr id="3" name="TextBox 2"/>
           <p:cNvSpPr txBox="1"/>
           <p:nvPr/>
@@ -3900,8 +4397,12 @@
           <a:lstStyle/>
           <a:p>
             <a:r>
+              <a:rPr lang="en-US" altLang="ko-KR" dirty="0" smtClean="0"/>
+              <a:t>16.0 </a:t>
+            </a:r>
+            <a:r>
               <a:rPr lang="ko-KR" altLang="en-US" dirty="0" smtClean="0"/>
-              <a:t>목차</a:t>
+              <a:t>개요</a:t>
             </a:r>
             <a:endParaRPr lang="ko-KR" altLang="en-US" dirty="0"/>
           </a:p>
@@ -3909,7 +4410,7 @@
       </p:sp>
       <p:sp>
         <p:nvSpPr>
-          <p:cNvPr id="3" name="내용 개체 틀 2"/>
+          <p:cNvPr id="6" name="내용 개체 틀 2"/>
           <p:cNvSpPr>
             <a:spLocks noGrp="1"/>
           </p:cNvSpPr>
@@ -3917,32 +4418,516 @@
             <p:ph idx="1"/>
           </p:nvPr>
         </p:nvSpPr>
-        <p:spPr/>
+        <p:spPr>
+          <a:xfrm>
+            <a:off x="457200" y="928670"/>
+            <a:ext cx="8229600" cy="5429288"/>
+          </a:xfrm>
+        </p:spPr>
         <p:txBody>
           <a:bodyPr>
-            <a:normAutofit/>
+            <a:normAutofit lnSpcReduction="10000"/>
           </a:bodyPr>
           <a:lstStyle/>
           <a:p>
             <a:pPr>
               <a:lnSpc>
-                <a:spcPct val="150000"/>
+                <a:spcPct val="110000"/>
               </a:lnSpc>
+              <a:spcBef>
+                <a:spcPct val="0"/>
+              </a:spcBef>
             </a:pPr>
-            <a:endParaRPr lang="en-US" altLang="ko-KR" sz="2800" dirty="0"/>
+            <a:r>
+              <a:rPr lang="ko-KR" altLang="en-US" sz="2800" dirty="0" err="1"/>
+              <a:t>로지스틱</a:t>
+            </a:r>
+            <a:r>
+              <a:rPr lang="ko-KR" altLang="en-US" sz="2800" dirty="0"/>
+              <a:t> </a:t>
+            </a:r>
+            <a:r>
+              <a:rPr lang="ko-KR" altLang="en-US" sz="2800" dirty="0" smtClean="0"/>
+              <a:t>회귀분석 개요</a:t>
+            </a:r>
+            <a:endParaRPr lang="en-US" altLang="ko-KR" sz="2800" dirty="0" smtClean="0"/>
+          </a:p>
+          <a:p>
+            <a:pPr lvl="1">
+              <a:lnSpc>
+                <a:spcPct val="110000"/>
+              </a:lnSpc>
+              <a:spcBef>
+                <a:spcPct val="0"/>
+              </a:spcBef>
+            </a:pPr>
+            <a:r>
+              <a:rPr lang="ko-KR" altLang="en-US" sz="2000" dirty="0" smtClean="0"/>
+              <a:t>기존의 </a:t>
+            </a:r>
+            <a:r>
+              <a:rPr lang="ko-KR" altLang="en-US" sz="2000" dirty="0"/>
+              <a:t>선형 회귀분석의 종속변수</a:t>
+            </a:r>
+            <a:r>
+              <a:rPr lang="en-US" altLang="ko-KR" sz="2000" dirty="0"/>
+              <a:t>(Y)</a:t>
+            </a:r>
+            <a:r>
+              <a:rPr lang="ko-KR" altLang="en-US" sz="2000" dirty="0"/>
+              <a:t>를 </a:t>
+            </a:r>
+            <a:r>
+              <a:rPr lang="ko-KR" altLang="en-US" sz="2000" dirty="0" err="1"/>
+              <a:t>범주형으로</a:t>
+            </a:r>
+            <a:r>
+              <a:rPr lang="ko-KR" altLang="en-US" sz="2000" dirty="0"/>
+              <a:t> 확장한 </a:t>
+            </a:r>
+            <a:r>
+              <a:rPr lang="ko-KR" altLang="en-US" sz="2000" dirty="0" smtClean="0"/>
+              <a:t>것</a:t>
+            </a:r>
+            <a:endParaRPr lang="en-US" altLang="ko-KR" sz="2000" dirty="0" smtClean="0"/>
+          </a:p>
+          <a:p>
+            <a:pPr lvl="2">
+              <a:lnSpc>
+                <a:spcPct val="110000"/>
+              </a:lnSpc>
+              <a:spcBef>
+                <a:spcPct val="0"/>
+              </a:spcBef>
+            </a:pPr>
+            <a:r>
+              <a:rPr lang="ko-KR" altLang="en-US" sz="1600" dirty="0" smtClean="0"/>
+              <a:t>예</a:t>
+            </a:r>
+            <a:r>
+              <a:rPr lang="en-US" altLang="ko-KR" sz="1600" dirty="0" smtClean="0"/>
+              <a:t>) </a:t>
+            </a:r>
+            <a:r>
+              <a:rPr lang="ko-KR" altLang="en-US" sz="1600" dirty="0" smtClean="0"/>
+              <a:t>주식</a:t>
+            </a:r>
+            <a:r>
+              <a:rPr lang="en-US" altLang="ko-KR" sz="1600" dirty="0" smtClean="0"/>
+              <a:t>: </a:t>
+            </a:r>
+            <a:r>
+              <a:rPr lang="ko-KR" altLang="en-US" sz="1600" dirty="0" smtClean="0"/>
+              <a:t>매수</a:t>
+            </a:r>
+            <a:r>
+              <a:rPr lang="en-US" altLang="ko-KR" sz="1600" dirty="0" smtClean="0"/>
+              <a:t>/</a:t>
+            </a:r>
+            <a:r>
+              <a:rPr lang="ko-KR" altLang="en-US" sz="1600" dirty="0" smtClean="0"/>
+              <a:t>매도</a:t>
+            </a:r>
+            <a:r>
+              <a:rPr lang="en-US" altLang="ko-KR" sz="1600" dirty="0" smtClean="0"/>
+              <a:t>/</a:t>
+            </a:r>
+            <a:r>
+              <a:rPr lang="ko-KR" altLang="en-US" sz="1600" dirty="0" smtClean="0"/>
+              <a:t>유지</a:t>
+            </a:r>
+            <a:r>
+              <a:rPr lang="en-US" altLang="ko-KR" sz="1600" dirty="0" smtClean="0"/>
+              <a:t>, </a:t>
+            </a:r>
+            <a:r>
+              <a:rPr lang="ko-KR" altLang="en-US" sz="1600" dirty="0" smtClean="0"/>
+              <a:t>대출 고객</a:t>
+            </a:r>
+            <a:r>
+              <a:rPr lang="en-US" altLang="ko-KR" sz="1600" dirty="0" smtClean="0"/>
+              <a:t>: </a:t>
+            </a:r>
+            <a:r>
+              <a:rPr lang="ko-KR" altLang="en-US" sz="1600" dirty="0" smtClean="0"/>
+              <a:t>반납고객</a:t>
+            </a:r>
+            <a:r>
+              <a:rPr lang="en-US" altLang="ko-KR" sz="1600" dirty="0" smtClean="0"/>
+              <a:t>/</a:t>
+            </a:r>
+            <a:r>
+              <a:rPr lang="ko-KR" altLang="en-US" sz="1600" dirty="0" err="1" smtClean="0"/>
+              <a:t>미반납고객</a:t>
+            </a:r>
+            <a:endParaRPr lang="en-US" altLang="ko-KR" sz="1600" dirty="0" smtClean="0"/>
+          </a:p>
+          <a:p>
+            <a:pPr lvl="1">
+              <a:lnSpc>
+                <a:spcPct val="110000"/>
+              </a:lnSpc>
+              <a:spcBef>
+                <a:spcPct val="0"/>
+              </a:spcBef>
+            </a:pPr>
+            <a:r>
+              <a:rPr lang="ko-KR" altLang="en-US" sz="2000" dirty="0" smtClean="0"/>
+              <a:t>이진</a:t>
+            </a:r>
+            <a:r>
+              <a:rPr lang="ko-KR" altLang="en-US" sz="2000" dirty="0"/>
+              <a:t>형</a:t>
+            </a:r>
+            <a:r>
+              <a:rPr lang="ko-KR" altLang="en-US" sz="2000" dirty="0" smtClean="0"/>
+              <a:t> 범주형</a:t>
+            </a:r>
+            <a:r>
+              <a:rPr lang="en-US" altLang="ko-KR" sz="2000" dirty="0" smtClean="0"/>
+              <a:t>(0/1)</a:t>
+            </a:r>
+            <a:r>
+              <a:rPr lang="ko-KR" altLang="en-US" sz="2000" dirty="0" smtClean="0"/>
+              <a:t>에 대해 주로 학습 후 확대 예정</a:t>
+            </a:r>
+            <a:endParaRPr lang="en-US" altLang="ko-KR" sz="2000" dirty="0" smtClean="0"/>
+          </a:p>
+          <a:p>
+            <a:pPr lvl="1">
+              <a:lnSpc>
+                <a:spcPct val="110000"/>
+              </a:lnSpc>
+              <a:spcBef>
+                <a:spcPct val="0"/>
+              </a:spcBef>
+            </a:pPr>
+            <a:endParaRPr lang="en-US" altLang="ko-KR" sz="2000" dirty="0"/>
+          </a:p>
+          <a:p>
+            <a:pPr>
+              <a:lnSpc>
+                <a:spcPct val="110000"/>
+              </a:lnSpc>
+              <a:spcBef>
+                <a:spcPct val="0"/>
+              </a:spcBef>
+            </a:pPr>
+            <a:r>
+              <a:rPr lang="ko-KR" altLang="en-US" sz="2400" dirty="0" err="1" smtClean="0"/>
+              <a:t>로지스틱</a:t>
+            </a:r>
+            <a:r>
+              <a:rPr lang="ko-KR" altLang="en-US" sz="2400" dirty="0" smtClean="0"/>
+              <a:t> 회귀분석 </a:t>
+            </a:r>
+            <a:r>
+              <a:rPr lang="en-US" altLang="ko-KR" sz="2400" dirty="0" smtClean="0"/>
+              <a:t>2</a:t>
+            </a:r>
+            <a:r>
+              <a:rPr lang="ko-KR" altLang="en-US" sz="2400" dirty="0" smtClean="0"/>
+              <a:t>단계</a:t>
+            </a:r>
+            <a:endParaRPr lang="en-US" altLang="ko-KR" sz="2400" dirty="0" smtClean="0"/>
+          </a:p>
+          <a:p>
+            <a:pPr lvl="1">
+              <a:lnSpc>
+                <a:spcPct val="110000"/>
+              </a:lnSpc>
+              <a:spcBef>
+                <a:spcPts val="600"/>
+              </a:spcBef>
+            </a:pPr>
+            <a:r>
+              <a:rPr lang="en-US" altLang="ko-KR" sz="2000" dirty="0"/>
+              <a:t>1</a:t>
+            </a:r>
+            <a:r>
+              <a:rPr lang="ko-KR" altLang="en-US" sz="2000" dirty="0" smtClean="0"/>
+              <a:t>단계</a:t>
+            </a:r>
+            <a:endParaRPr lang="en-US" altLang="ko-KR" sz="2000" dirty="0" smtClean="0"/>
+          </a:p>
+          <a:p>
+            <a:pPr lvl="2">
+              <a:lnSpc>
+                <a:spcPct val="110000"/>
+              </a:lnSpc>
+              <a:spcBef>
+                <a:spcPts val="600"/>
+              </a:spcBef>
+            </a:pPr>
+            <a:r>
+              <a:rPr lang="ko-KR" altLang="en-US" sz="1600" dirty="0" smtClean="0"/>
+              <a:t>각 </a:t>
+            </a:r>
+            <a:r>
+              <a:rPr lang="ko-KR" altLang="en-US" sz="1600" dirty="0"/>
+              <a:t>집단에 속하는 확률의 추정치로 나타낸다</a:t>
+            </a:r>
+            <a:r>
+              <a:rPr lang="en-US" altLang="ko-KR" sz="1600" dirty="0"/>
+              <a:t>. </a:t>
+            </a:r>
+            <a:endParaRPr lang="en-US" altLang="ko-KR" sz="1600" dirty="0" smtClean="0"/>
+          </a:p>
+          <a:p>
+            <a:pPr lvl="2">
+              <a:lnSpc>
+                <a:spcPct val="110000"/>
+              </a:lnSpc>
+              <a:spcBef>
+                <a:spcPts val="600"/>
+              </a:spcBef>
+            </a:pPr>
+            <a:r>
+              <a:rPr lang="ko-KR" altLang="en-US" sz="1600" dirty="0" smtClean="0"/>
+              <a:t>집단 </a:t>
+            </a:r>
+            <a:r>
+              <a:rPr lang="en-US" altLang="ko-KR" sz="1600" dirty="0"/>
+              <a:t>1</a:t>
+            </a:r>
+            <a:r>
+              <a:rPr lang="ko-KR" altLang="en-US" sz="1600" dirty="0"/>
+              <a:t>에 속하는 확률 </a:t>
+            </a:r>
+            <a:r>
+              <a:rPr lang="en-US" altLang="ko-KR" sz="1600" dirty="0"/>
+              <a:t>P(Y=1)</a:t>
+            </a:r>
+            <a:r>
+              <a:rPr lang="ko-KR" altLang="en-US" sz="1600" dirty="0"/>
+              <a:t>의 추정치로 얻는다</a:t>
+            </a:r>
+            <a:r>
+              <a:rPr lang="en-US" altLang="ko-KR" sz="1600" dirty="0"/>
+              <a:t>(</a:t>
+            </a:r>
+            <a:r>
+              <a:rPr lang="ko-KR" altLang="en-US" sz="1600" dirty="0"/>
+              <a:t>집단 </a:t>
+            </a:r>
+            <a:r>
+              <a:rPr lang="en-US" altLang="ko-KR" sz="1600" dirty="0"/>
+              <a:t>0</a:t>
+            </a:r>
+            <a:r>
+              <a:rPr lang="ko-KR" altLang="en-US" sz="1600" dirty="0"/>
+              <a:t>에 속하는 확률의 경우도 같다</a:t>
+            </a:r>
+            <a:r>
+              <a:rPr lang="en-US" altLang="ko-KR" sz="1600" dirty="0"/>
+              <a:t>). </a:t>
+            </a:r>
+          </a:p>
+          <a:p>
+            <a:pPr lvl="1">
+              <a:lnSpc>
+                <a:spcPct val="110000"/>
+              </a:lnSpc>
+              <a:spcBef>
+                <a:spcPts val="600"/>
+              </a:spcBef>
+            </a:pPr>
+            <a:r>
+              <a:rPr lang="en-US" altLang="ko-KR" sz="2000" dirty="0"/>
+              <a:t>2</a:t>
+            </a:r>
+            <a:r>
+              <a:rPr lang="ko-KR" altLang="en-US" sz="2000" dirty="0" smtClean="0"/>
+              <a:t>단계</a:t>
+            </a:r>
+            <a:endParaRPr lang="en-US" altLang="ko-KR" sz="2000" dirty="0" smtClean="0"/>
+          </a:p>
+          <a:p>
+            <a:pPr lvl="2">
+              <a:lnSpc>
+                <a:spcPct val="110000"/>
+              </a:lnSpc>
+              <a:spcBef>
+                <a:spcPts val="600"/>
+              </a:spcBef>
+            </a:pPr>
+            <a:r>
+              <a:rPr lang="ko-KR" altLang="en-US" sz="1600" dirty="0" smtClean="0"/>
+              <a:t>집단들 </a:t>
+            </a:r>
+            <a:r>
+              <a:rPr lang="ko-KR" altLang="en-US" sz="1600" dirty="0"/>
+              <a:t>중 하나에 각각의 경우를 </a:t>
+            </a:r>
+            <a:r>
+              <a:rPr lang="ko-KR" altLang="en-US" sz="1600" dirty="0" smtClean="0"/>
+              <a:t>분류</a:t>
+            </a:r>
+            <a:r>
+              <a:rPr lang="en-US" altLang="ko-KR" sz="1600" dirty="0" smtClean="0"/>
+              <a:t>: 1</a:t>
+            </a:r>
+            <a:r>
+              <a:rPr lang="ko-KR" altLang="en-US" sz="1600" dirty="0" smtClean="0"/>
+              <a:t>단계의 확률에 </a:t>
+            </a:r>
+            <a:r>
+              <a:rPr lang="ko-KR" altLang="en-US" sz="1600" dirty="0" err="1"/>
+              <a:t>분류기준값</a:t>
+            </a:r>
+            <a:r>
+              <a:rPr lang="en-US" altLang="ko-KR" sz="1600" dirty="0"/>
+              <a:t>(cut-off)</a:t>
+            </a:r>
+            <a:r>
+              <a:rPr lang="ko-KR" altLang="en-US" sz="1600" dirty="0"/>
+              <a:t>을 </a:t>
+            </a:r>
+            <a:r>
+              <a:rPr lang="ko-KR" altLang="en-US" sz="1600" dirty="0" smtClean="0"/>
+              <a:t>적용</a:t>
+            </a:r>
+            <a:endParaRPr lang="en-US" altLang="ko-KR" sz="1600" dirty="0" smtClean="0"/>
+          </a:p>
+          <a:p>
+            <a:pPr lvl="2">
+              <a:lnSpc>
+                <a:spcPct val="110000"/>
+              </a:lnSpc>
+              <a:spcBef>
+                <a:spcPts val="600"/>
+              </a:spcBef>
+            </a:pPr>
+            <a:r>
+              <a:rPr lang="ko-KR" altLang="en-US" sz="1600" dirty="0" smtClean="0"/>
+              <a:t>예</a:t>
+            </a:r>
+            <a:r>
+              <a:rPr lang="en-US" altLang="ko-KR" sz="1600" dirty="0" smtClean="0"/>
+              <a:t>) </a:t>
+            </a:r>
+            <a:r>
+              <a:rPr lang="ko-KR" altLang="en-US" sz="1600" dirty="0" smtClean="0"/>
+              <a:t>이진의 </a:t>
+            </a:r>
+            <a:r>
+              <a:rPr lang="ko-KR" altLang="en-US" sz="1600" dirty="0"/>
+              <a:t>경우 </a:t>
+            </a:r>
+            <a:r>
+              <a:rPr lang="en-US" altLang="ko-KR" sz="1600" dirty="0"/>
+              <a:t>0.5</a:t>
+            </a:r>
+            <a:r>
+              <a:rPr lang="ko-KR" altLang="en-US" sz="1600" dirty="0"/>
+              <a:t>의 </a:t>
+            </a:r>
+            <a:r>
+              <a:rPr lang="ko-KR" altLang="en-US" sz="1600" dirty="0" smtClean="0"/>
+              <a:t>분류 </a:t>
+            </a:r>
+            <a:r>
+              <a:rPr lang="ko-KR" altLang="en-US" sz="1600" dirty="0" err="1" smtClean="0"/>
+              <a:t>기준값</a:t>
+            </a:r>
+            <a:r>
+              <a:rPr lang="ko-KR" altLang="en-US" sz="1600" dirty="0" smtClean="0"/>
+              <a:t> </a:t>
+            </a:r>
+            <a:r>
+              <a:rPr lang="en-US" altLang="ko-KR" sz="1600" dirty="0" smtClean="0"/>
+              <a:t>(</a:t>
+            </a:r>
+            <a:r>
+              <a:rPr lang="ko-KR" altLang="en-US" sz="1600" dirty="0" smtClean="0"/>
+              <a:t>다른 값을 써도 됨</a:t>
+            </a:r>
+            <a:r>
+              <a:rPr lang="en-US" altLang="ko-KR" sz="1600" dirty="0" smtClean="0"/>
+              <a:t>)</a:t>
+            </a:r>
+          </a:p>
+          <a:p>
+            <a:pPr lvl="3">
+              <a:lnSpc>
+                <a:spcPct val="110000"/>
+              </a:lnSpc>
+              <a:spcBef>
+                <a:spcPts val="600"/>
+              </a:spcBef>
+            </a:pPr>
+            <a:r>
+              <a:rPr lang="en-US" altLang="ko-KR" sz="1400" dirty="0" smtClean="0"/>
+              <a:t>P(Y=1</a:t>
+            </a:r>
+            <a:r>
+              <a:rPr lang="en-US" altLang="ko-KR" sz="1400" dirty="0"/>
+              <a:t>)&gt;0.5</a:t>
+            </a:r>
+            <a:r>
+              <a:rPr lang="ko-KR" altLang="en-US" sz="1400" dirty="0"/>
+              <a:t>의 추정된 확률을 가지는 경우는 집단 </a:t>
+            </a:r>
+            <a:r>
+              <a:rPr lang="en-US" altLang="ko-KR" sz="1400" dirty="0" smtClean="0"/>
+              <a:t>1 </a:t>
+            </a:r>
+            <a:r>
+              <a:rPr lang="ko-KR" altLang="en-US" sz="1400" dirty="0" smtClean="0"/>
+              <a:t>로 분류</a:t>
+            </a:r>
+            <a:endParaRPr lang="en-US" altLang="ko-KR" sz="1400" dirty="0" smtClean="0"/>
+          </a:p>
+          <a:p>
+            <a:pPr lvl="3">
+              <a:lnSpc>
+                <a:spcPct val="110000"/>
+              </a:lnSpc>
+              <a:spcBef>
+                <a:spcPts val="600"/>
+              </a:spcBef>
+            </a:pPr>
+            <a:r>
+              <a:rPr lang="en-US" altLang="ko-KR" sz="1400" dirty="0" smtClean="0"/>
+              <a:t>P(Y=1</a:t>
+            </a:r>
+            <a:r>
+              <a:rPr lang="en-US" altLang="ko-KR" sz="1400" dirty="0"/>
+              <a:t>)&lt;0.5</a:t>
+            </a:r>
+            <a:r>
+              <a:rPr lang="ko-KR" altLang="en-US" sz="1400" dirty="0"/>
+              <a:t>는 집단 </a:t>
+            </a:r>
+            <a:r>
+              <a:rPr lang="en-US" altLang="ko-KR" sz="1400" dirty="0" smtClean="0"/>
+              <a:t>0 </a:t>
+            </a:r>
+            <a:r>
+              <a:rPr lang="ko-KR" altLang="en-US" sz="1400" dirty="0" smtClean="0"/>
+              <a:t>으로 분류</a:t>
+            </a:r>
+            <a:endParaRPr lang="en-US" altLang="ko-KR" sz="1400" dirty="0" smtClean="0"/>
           </a:p>
         </p:txBody>
       </p:sp>
     </p:spTree>
     <p:extLst>
       <p:ext uri="{BB962C8B-B14F-4D97-AF65-F5344CB8AC3E}">
-        <p14:creationId xmlns:p14="http://schemas.microsoft.com/office/powerpoint/2010/main" val="3286148275"/>
+        <p14:creationId xmlns:p14="http://schemas.microsoft.com/office/powerpoint/2010/main" val="586198423"/>
       </p:ext>
     </p:extLst>
   </p:cSld>
   <p:clrMapOvr>
     <a:masterClrMapping/>
   </p:clrMapOvr>
+  <p:timing>
+    <p:tnLst>
+      <p:par>
+        <p:cTn id="1" dur="indefinite" restart="never" nodeType="tmRoot"/>
+      </p:par>
+    </p:tnLst>
+  </p:timing>
 </p:sld>
 </file>
 
@@ -3980,573 +4965,6 @@
           <a:p>
             <a:r>
               <a:rPr lang="en-US" altLang="ko-KR" dirty="0" smtClean="0"/>
-              <a:t>16.0 </a:t>
-            </a:r>
-            <a:r>
-              <a:rPr lang="ko-KR" altLang="en-US" dirty="0" smtClean="0"/>
-              <a:t>개요</a:t>
-            </a:r>
-            <a:endParaRPr lang="ko-KR" altLang="en-US" dirty="0"/>
-          </a:p>
-        </p:txBody>
-      </p:sp>
-      <p:sp>
-        <p:nvSpPr>
-          <p:cNvPr id="6" name="내용 개체 틀 2"/>
-          <p:cNvSpPr>
-            <a:spLocks noGrp="1"/>
-          </p:cNvSpPr>
-          <p:nvPr>
-            <p:ph idx="1"/>
-          </p:nvPr>
-        </p:nvSpPr>
-        <p:spPr>
-          <a:xfrm>
-            <a:off x="457200" y="928670"/>
-            <a:ext cx="8229600" cy="5429288"/>
-          </a:xfrm>
-        </p:spPr>
-        <p:txBody>
-          <a:bodyPr>
-            <a:normAutofit lnSpcReduction="10000"/>
-          </a:bodyPr>
-          <a:lstStyle/>
-          <a:p>
-            <a:pPr>
-              <a:lnSpc>
-                <a:spcPct val="110000"/>
-              </a:lnSpc>
-              <a:spcBef>
-                <a:spcPct val="0"/>
-              </a:spcBef>
-            </a:pPr>
-            <a:r>
-              <a:rPr lang="ko-KR" altLang="en-US" sz="2800" dirty="0" err="1"/>
-              <a:t>로지스틱</a:t>
-            </a:r>
-            <a:r>
-              <a:rPr lang="ko-KR" altLang="en-US" sz="2800" dirty="0"/>
-              <a:t> </a:t>
-            </a:r>
-            <a:r>
-              <a:rPr lang="ko-KR" altLang="en-US" sz="2800" dirty="0" smtClean="0"/>
-              <a:t>회귀분석 개요</a:t>
-            </a:r>
-            <a:endParaRPr lang="en-US" altLang="ko-KR" sz="2800" dirty="0" smtClean="0"/>
-          </a:p>
-          <a:p>
-            <a:pPr lvl="1">
-              <a:lnSpc>
-                <a:spcPct val="110000"/>
-              </a:lnSpc>
-              <a:spcBef>
-                <a:spcPct val="0"/>
-              </a:spcBef>
-            </a:pPr>
-            <a:r>
-              <a:rPr lang="ko-KR" altLang="en-US" sz="2000" dirty="0" smtClean="0"/>
-              <a:t>기존의 </a:t>
-            </a:r>
-            <a:r>
-              <a:rPr lang="ko-KR" altLang="en-US" sz="2000" dirty="0"/>
-              <a:t>선형 회귀분석의 종속변수</a:t>
-            </a:r>
-            <a:r>
-              <a:rPr lang="en-US" altLang="ko-KR" sz="2000" dirty="0"/>
-              <a:t>(Y)</a:t>
-            </a:r>
-            <a:r>
-              <a:rPr lang="ko-KR" altLang="en-US" sz="2000" dirty="0"/>
-              <a:t>를 </a:t>
-            </a:r>
-            <a:r>
-              <a:rPr lang="ko-KR" altLang="en-US" sz="2000" dirty="0" err="1"/>
-              <a:t>범주형으로</a:t>
-            </a:r>
-            <a:r>
-              <a:rPr lang="ko-KR" altLang="en-US" sz="2000" dirty="0"/>
-              <a:t> 확장한 </a:t>
-            </a:r>
-            <a:r>
-              <a:rPr lang="ko-KR" altLang="en-US" sz="2000" dirty="0" smtClean="0"/>
-              <a:t>것</a:t>
-            </a:r>
-            <a:endParaRPr lang="en-US" altLang="ko-KR" sz="2000" dirty="0" smtClean="0"/>
-          </a:p>
-          <a:p>
-            <a:pPr lvl="2">
-              <a:lnSpc>
-                <a:spcPct val="110000"/>
-              </a:lnSpc>
-              <a:spcBef>
-                <a:spcPct val="0"/>
-              </a:spcBef>
-            </a:pPr>
-            <a:r>
-              <a:rPr lang="ko-KR" altLang="en-US" sz="1600" dirty="0" smtClean="0"/>
-              <a:t>예</a:t>
-            </a:r>
-            <a:r>
-              <a:rPr lang="en-US" altLang="ko-KR" sz="1600" dirty="0" smtClean="0"/>
-              <a:t>) </a:t>
-            </a:r>
-            <a:r>
-              <a:rPr lang="ko-KR" altLang="en-US" sz="1600" dirty="0" smtClean="0"/>
-              <a:t>주식</a:t>
-            </a:r>
-            <a:r>
-              <a:rPr lang="en-US" altLang="ko-KR" sz="1600" dirty="0" smtClean="0"/>
-              <a:t>: </a:t>
-            </a:r>
-            <a:r>
-              <a:rPr lang="ko-KR" altLang="en-US" sz="1600" dirty="0" smtClean="0"/>
-              <a:t>매수</a:t>
-            </a:r>
-            <a:r>
-              <a:rPr lang="en-US" altLang="ko-KR" sz="1600" dirty="0" smtClean="0"/>
-              <a:t>/</a:t>
-            </a:r>
-            <a:r>
-              <a:rPr lang="ko-KR" altLang="en-US" sz="1600" dirty="0" smtClean="0"/>
-              <a:t>매도</a:t>
-            </a:r>
-            <a:r>
-              <a:rPr lang="en-US" altLang="ko-KR" sz="1600" dirty="0" smtClean="0"/>
-              <a:t>/</a:t>
-            </a:r>
-            <a:r>
-              <a:rPr lang="ko-KR" altLang="en-US" sz="1600" dirty="0" smtClean="0"/>
-              <a:t>유지</a:t>
-            </a:r>
-            <a:r>
-              <a:rPr lang="en-US" altLang="ko-KR" sz="1600" dirty="0" smtClean="0"/>
-              <a:t>, </a:t>
-            </a:r>
-            <a:r>
-              <a:rPr lang="ko-KR" altLang="en-US" sz="1600" dirty="0" smtClean="0"/>
-              <a:t>대출 고객</a:t>
-            </a:r>
-            <a:r>
-              <a:rPr lang="en-US" altLang="ko-KR" sz="1600" dirty="0" smtClean="0"/>
-              <a:t>: </a:t>
-            </a:r>
-            <a:r>
-              <a:rPr lang="ko-KR" altLang="en-US" sz="1600" dirty="0" smtClean="0"/>
-              <a:t>반납고객</a:t>
-            </a:r>
-            <a:r>
-              <a:rPr lang="en-US" altLang="ko-KR" sz="1600" dirty="0" smtClean="0"/>
-              <a:t>/</a:t>
-            </a:r>
-            <a:r>
-              <a:rPr lang="ko-KR" altLang="en-US" sz="1600" dirty="0" err="1" smtClean="0"/>
-              <a:t>미반납고객</a:t>
-            </a:r>
-            <a:endParaRPr lang="en-US" altLang="ko-KR" sz="1600" dirty="0" smtClean="0"/>
-          </a:p>
-          <a:p>
-            <a:pPr lvl="1">
-              <a:lnSpc>
-                <a:spcPct val="110000"/>
-              </a:lnSpc>
-              <a:spcBef>
-                <a:spcPct val="0"/>
-              </a:spcBef>
-            </a:pPr>
-            <a:r>
-              <a:rPr lang="ko-KR" altLang="en-US" sz="2000" dirty="0" smtClean="0"/>
-              <a:t>이진</a:t>
-            </a:r>
-            <a:r>
-              <a:rPr lang="ko-KR" altLang="en-US" sz="2000" dirty="0"/>
-              <a:t>형</a:t>
-            </a:r>
-            <a:r>
-              <a:rPr lang="ko-KR" altLang="en-US" sz="2000" dirty="0" smtClean="0"/>
-              <a:t> 범주형</a:t>
-            </a:r>
-            <a:r>
-              <a:rPr lang="en-US" altLang="ko-KR" sz="2000" dirty="0" smtClean="0"/>
-              <a:t>(0/1)</a:t>
-            </a:r>
-            <a:r>
-              <a:rPr lang="ko-KR" altLang="en-US" sz="2000" dirty="0" smtClean="0"/>
-              <a:t>에 대해 주로 학습 후 확대 예정</a:t>
-            </a:r>
-            <a:endParaRPr lang="en-US" altLang="ko-KR" sz="2000" dirty="0" smtClean="0"/>
-          </a:p>
-          <a:p>
-            <a:pPr lvl="1">
-              <a:lnSpc>
-                <a:spcPct val="110000"/>
-              </a:lnSpc>
-              <a:spcBef>
-                <a:spcPct val="0"/>
-              </a:spcBef>
-            </a:pPr>
-            <a:endParaRPr lang="en-US" altLang="ko-KR" sz="2000" dirty="0"/>
-          </a:p>
-          <a:p>
-            <a:pPr>
-              <a:lnSpc>
-                <a:spcPct val="110000"/>
-              </a:lnSpc>
-              <a:spcBef>
-                <a:spcPct val="0"/>
-              </a:spcBef>
-            </a:pPr>
-            <a:r>
-              <a:rPr lang="ko-KR" altLang="en-US" sz="2400" dirty="0" err="1" smtClean="0"/>
-              <a:t>로지스틱</a:t>
-            </a:r>
-            <a:r>
-              <a:rPr lang="ko-KR" altLang="en-US" sz="2400" dirty="0" smtClean="0"/>
-              <a:t> 회귀분석 </a:t>
-            </a:r>
-            <a:r>
-              <a:rPr lang="en-US" altLang="ko-KR" sz="2400" dirty="0" smtClean="0"/>
-              <a:t>2</a:t>
-            </a:r>
-            <a:r>
-              <a:rPr lang="ko-KR" altLang="en-US" sz="2400" dirty="0" smtClean="0"/>
-              <a:t>단계</a:t>
-            </a:r>
-            <a:endParaRPr lang="en-US" altLang="ko-KR" sz="2400" dirty="0" smtClean="0"/>
-          </a:p>
-          <a:p>
-            <a:pPr lvl="1">
-              <a:lnSpc>
-                <a:spcPct val="110000"/>
-              </a:lnSpc>
-              <a:spcBef>
-                <a:spcPts val="600"/>
-              </a:spcBef>
-            </a:pPr>
-            <a:r>
-              <a:rPr lang="en-US" altLang="ko-KR" sz="2000" dirty="0"/>
-              <a:t>1</a:t>
-            </a:r>
-            <a:r>
-              <a:rPr lang="ko-KR" altLang="en-US" sz="2000" dirty="0" smtClean="0"/>
-              <a:t>단계</a:t>
-            </a:r>
-            <a:endParaRPr lang="en-US" altLang="ko-KR" sz="2000" dirty="0" smtClean="0"/>
-          </a:p>
-          <a:p>
-            <a:pPr lvl="2">
-              <a:lnSpc>
-                <a:spcPct val="110000"/>
-              </a:lnSpc>
-              <a:spcBef>
-                <a:spcPts val="600"/>
-              </a:spcBef>
-            </a:pPr>
-            <a:r>
-              <a:rPr lang="ko-KR" altLang="en-US" sz="1600" dirty="0" smtClean="0"/>
-              <a:t>각 </a:t>
-            </a:r>
-            <a:r>
-              <a:rPr lang="ko-KR" altLang="en-US" sz="1600" dirty="0"/>
-              <a:t>집단에 속하는 확률의 추정치로 나타낸다</a:t>
-            </a:r>
-            <a:r>
-              <a:rPr lang="en-US" altLang="ko-KR" sz="1600" dirty="0"/>
-              <a:t>. </a:t>
-            </a:r>
-            <a:endParaRPr lang="en-US" altLang="ko-KR" sz="1600" dirty="0" smtClean="0"/>
-          </a:p>
-          <a:p>
-            <a:pPr lvl="2">
-              <a:lnSpc>
-                <a:spcPct val="110000"/>
-              </a:lnSpc>
-              <a:spcBef>
-                <a:spcPts val="600"/>
-              </a:spcBef>
-            </a:pPr>
-            <a:r>
-              <a:rPr lang="ko-KR" altLang="en-US" sz="1600" dirty="0" smtClean="0"/>
-              <a:t>집단 </a:t>
-            </a:r>
-            <a:r>
-              <a:rPr lang="en-US" altLang="ko-KR" sz="1600" dirty="0"/>
-              <a:t>1</a:t>
-            </a:r>
-            <a:r>
-              <a:rPr lang="ko-KR" altLang="en-US" sz="1600" dirty="0"/>
-              <a:t>에 속하는 확률 </a:t>
-            </a:r>
-            <a:r>
-              <a:rPr lang="en-US" altLang="ko-KR" sz="1600" dirty="0"/>
-              <a:t>P(Y=1)</a:t>
-            </a:r>
-            <a:r>
-              <a:rPr lang="ko-KR" altLang="en-US" sz="1600" dirty="0"/>
-              <a:t>의 추정치로 얻는다</a:t>
-            </a:r>
-            <a:r>
-              <a:rPr lang="en-US" altLang="ko-KR" sz="1600" dirty="0"/>
-              <a:t>(</a:t>
-            </a:r>
-            <a:r>
-              <a:rPr lang="ko-KR" altLang="en-US" sz="1600" dirty="0"/>
-              <a:t>집단 </a:t>
-            </a:r>
-            <a:r>
-              <a:rPr lang="en-US" altLang="ko-KR" sz="1600" dirty="0"/>
-              <a:t>0</a:t>
-            </a:r>
-            <a:r>
-              <a:rPr lang="ko-KR" altLang="en-US" sz="1600" dirty="0"/>
-              <a:t>에 속하는 확률의 경우도 같다</a:t>
-            </a:r>
-            <a:r>
-              <a:rPr lang="en-US" altLang="ko-KR" sz="1600" dirty="0"/>
-              <a:t>). </a:t>
-            </a:r>
-          </a:p>
-          <a:p>
-            <a:pPr lvl="1">
-              <a:lnSpc>
-                <a:spcPct val="110000"/>
-              </a:lnSpc>
-              <a:spcBef>
-                <a:spcPts val="600"/>
-              </a:spcBef>
-            </a:pPr>
-            <a:r>
-              <a:rPr lang="en-US" altLang="ko-KR" sz="2000" dirty="0"/>
-              <a:t>2</a:t>
-            </a:r>
-            <a:r>
-              <a:rPr lang="ko-KR" altLang="en-US" sz="2000" dirty="0" smtClean="0"/>
-              <a:t>단계</a:t>
-            </a:r>
-            <a:endParaRPr lang="en-US" altLang="ko-KR" sz="2000" dirty="0" smtClean="0"/>
-          </a:p>
-          <a:p>
-            <a:pPr lvl="2">
-              <a:lnSpc>
-                <a:spcPct val="110000"/>
-              </a:lnSpc>
-              <a:spcBef>
-                <a:spcPts val="600"/>
-              </a:spcBef>
-            </a:pPr>
-            <a:r>
-              <a:rPr lang="ko-KR" altLang="en-US" sz="1600" dirty="0" smtClean="0"/>
-              <a:t>집단들 </a:t>
-            </a:r>
-            <a:r>
-              <a:rPr lang="ko-KR" altLang="en-US" sz="1600" dirty="0"/>
-              <a:t>중 하나에 각각의 경우를 </a:t>
-            </a:r>
-            <a:r>
-              <a:rPr lang="ko-KR" altLang="en-US" sz="1600" dirty="0" smtClean="0"/>
-              <a:t>분류</a:t>
-            </a:r>
-            <a:r>
-              <a:rPr lang="en-US" altLang="ko-KR" sz="1600" dirty="0" smtClean="0"/>
-              <a:t>: 1</a:t>
-            </a:r>
-            <a:r>
-              <a:rPr lang="ko-KR" altLang="en-US" sz="1600" dirty="0" smtClean="0"/>
-              <a:t>단계의 확률에 </a:t>
-            </a:r>
-            <a:r>
-              <a:rPr lang="ko-KR" altLang="en-US" sz="1600" dirty="0" err="1"/>
-              <a:t>분류기준값</a:t>
-            </a:r>
-            <a:r>
-              <a:rPr lang="en-US" altLang="ko-KR" sz="1600" dirty="0"/>
-              <a:t>(cut-off)</a:t>
-            </a:r>
-            <a:r>
-              <a:rPr lang="ko-KR" altLang="en-US" sz="1600" dirty="0"/>
-              <a:t>을 </a:t>
-            </a:r>
-            <a:r>
-              <a:rPr lang="ko-KR" altLang="en-US" sz="1600" dirty="0" smtClean="0"/>
-              <a:t>적용</a:t>
-            </a:r>
-            <a:endParaRPr lang="en-US" altLang="ko-KR" sz="1600" dirty="0" smtClean="0"/>
-          </a:p>
-          <a:p>
-            <a:pPr lvl="2">
-              <a:lnSpc>
-                <a:spcPct val="110000"/>
-              </a:lnSpc>
-              <a:spcBef>
-                <a:spcPts val="600"/>
-              </a:spcBef>
-            </a:pPr>
-            <a:r>
-              <a:rPr lang="ko-KR" altLang="en-US" sz="1600" dirty="0" smtClean="0"/>
-              <a:t>예</a:t>
-            </a:r>
-            <a:r>
-              <a:rPr lang="en-US" altLang="ko-KR" sz="1600" dirty="0" smtClean="0"/>
-              <a:t>) </a:t>
-            </a:r>
-            <a:r>
-              <a:rPr lang="ko-KR" altLang="en-US" sz="1600" dirty="0" smtClean="0"/>
-              <a:t>이진의 </a:t>
-            </a:r>
-            <a:r>
-              <a:rPr lang="ko-KR" altLang="en-US" sz="1600" dirty="0"/>
-              <a:t>경우 </a:t>
-            </a:r>
-            <a:r>
-              <a:rPr lang="en-US" altLang="ko-KR" sz="1600" dirty="0"/>
-              <a:t>0.5</a:t>
-            </a:r>
-            <a:r>
-              <a:rPr lang="ko-KR" altLang="en-US" sz="1600" dirty="0"/>
-              <a:t>의 </a:t>
-            </a:r>
-            <a:r>
-              <a:rPr lang="ko-KR" altLang="en-US" sz="1600" dirty="0" smtClean="0"/>
-              <a:t>분류 </a:t>
-            </a:r>
-            <a:r>
-              <a:rPr lang="ko-KR" altLang="en-US" sz="1600" dirty="0" err="1" smtClean="0"/>
-              <a:t>기준값</a:t>
-            </a:r>
-            <a:r>
-              <a:rPr lang="ko-KR" altLang="en-US" sz="1600" dirty="0" smtClean="0"/>
-              <a:t> </a:t>
-            </a:r>
-            <a:r>
-              <a:rPr lang="en-US" altLang="ko-KR" sz="1600" dirty="0" smtClean="0"/>
-              <a:t>(</a:t>
-            </a:r>
-            <a:r>
-              <a:rPr lang="ko-KR" altLang="en-US" sz="1600" dirty="0" smtClean="0"/>
-              <a:t>다른 값을 써도 됨</a:t>
-            </a:r>
-            <a:r>
-              <a:rPr lang="en-US" altLang="ko-KR" sz="1600" dirty="0" smtClean="0"/>
-              <a:t>)</a:t>
-            </a:r>
-          </a:p>
-          <a:p>
-            <a:pPr lvl="3">
-              <a:lnSpc>
-                <a:spcPct val="110000"/>
-              </a:lnSpc>
-              <a:spcBef>
-                <a:spcPts val="600"/>
-              </a:spcBef>
-            </a:pPr>
-            <a:r>
-              <a:rPr lang="en-US" altLang="ko-KR" sz="1400" dirty="0" smtClean="0"/>
-              <a:t>P(Y=1</a:t>
-            </a:r>
-            <a:r>
-              <a:rPr lang="en-US" altLang="ko-KR" sz="1400" dirty="0"/>
-              <a:t>)&gt;0.5</a:t>
-            </a:r>
-            <a:r>
-              <a:rPr lang="ko-KR" altLang="en-US" sz="1400" dirty="0"/>
-              <a:t>의 추정된 확률을 가지는 경우는 집단 </a:t>
-            </a:r>
-            <a:r>
-              <a:rPr lang="en-US" altLang="ko-KR" sz="1400" dirty="0" smtClean="0"/>
-              <a:t>1 </a:t>
-            </a:r>
-            <a:r>
-              <a:rPr lang="ko-KR" altLang="en-US" sz="1400" dirty="0" smtClean="0"/>
-              <a:t>로 분류</a:t>
-            </a:r>
-            <a:endParaRPr lang="en-US" altLang="ko-KR" sz="1400" dirty="0" smtClean="0"/>
-          </a:p>
-          <a:p>
-            <a:pPr lvl="3">
-              <a:lnSpc>
-                <a:spcPct val="110000"/>
-              </a:lnSpc>
-              <a:spcBef>
-                <a:spcPts val="600"/>
-              </a:spcBef>
-            </a:pPr>
-            <a:r>
-              <a:rPr lang="en-US" altLang="ko-KR" sz="1400" dirty="0" smtClean="0"/>
-              <a:t>P(Y=1</a:t>
-            </a:r>
-            <a:r>
-              <a:rPr lang="en-US" altLang="ko-KR" sz="1400" dirty="0"/>
-              <a:t>)&lt;0.5</a:t>
-            </a:r>
-            <a:r>
-              <a:rPr lang="ko-KR" altLang="en-US" sz="1400" dirty="0"/>
-              <a:t>는 집단 </a:t>
-            </a:r>
-            <a:r>
-              <a:rPr lang="en-US" altLang="ko-KR" sz="1400" dirty="0" smtClean="0"/>
-              <a:t>0 </a:t>
-            </a:r>
-            <a:r>
-              <a:rPr lang="ko-KR" altLang="en-US" sz="1400" dirty="0" smtClean="0"/>
-              <a:t>으로 분류</a:t>
-            </a:r>
-            <a:endParaRPr lang="en-US" altLang="ko-KR" sz="1400" dirty="0" smtClean="0"/>
-          </a:p>
-        </p:txBody>
-      </p:sp>
-    </p:spTree>
-    <p:extLst>
-      <p:ext uri="{BB962C8B-B14F-4D97-AF65-F5344CB8AC3E}">
-        <p14:creationId xmlns:p14="http://schemas.microsoft.com/office/powerpoint/2010/main" val="586198423"/>
-      </p:ext>
-    </p:extLst>
-  </p:cSld>
-  <p:clrMapOvr>
-    <a:masterClrMapping/>
-  </p:clrMapOvr>
-  <p:timing>
-    <p:tnLst>
-      <p:par>
-        <p:cTn id="1" dur="indefinite" restart="never" nodeType="tmRoot"/>
-      </p:par>
-    </p:tnLst>
-  </p:timing>
-</p:sld>
-</file>
-
-<file path=ppt/slides/slide4.xml><?xml version="1.0" encoding="utf-8"?>
-<p:sld xmlns:a="http://schemas.openxmlformats.org/drawingml/2006/main" xmlns:r="http://schemas.openxmlformats.org/officeDocument/2006/relationships" xmlns:p="http://schemas.openxmlformats.org/presentationml/2006/main">
-  <p:cSld>
-    <p:spTree>
-      <p:nvGrpSpPr>
-        <p:cNvPr id="1" name=""/>
-        <p:cNvGrpSpPr/>
-        <p:nvPr/>
-      </p:nvGrpSpPr>
-      <p:grpSpPr>
-        <a:xfrm>
-          <a:off x="0" y="0"/>
-          <a:ext cx="0" cy="0"/>
-          <a:chOff x="0" y="0"/>
-          <a:chExt cx="0" cy="0"/>
-        </a:xfrm>
-      </p:grpSpPr>
-      <p:sp>
-        <p:nvSpPr>
-          <p:cNvPr id="2" name="제목 1"/>
-          <p:cNvSpPr>
-            <a:spLocks noGrp="1"/>
-          </p:cNvSpPr>
-          <p:nvPr>
-            <p:ph type="title"/>
-          </p:nvPr>
-        </p:nvSpPr>
-        <p:spPr/>
-        <p:txBody>
-          <a:bodyPr/>
-          <a:lstStyle/>
-          <a:p>
-            <a:r>
-              <a:rPr lang="en-US" altLang="ko-KR" dirty="0" smtClean="0"/>
               <a:t>16.1 </a:t>
             </a:r>
             <a:r>
@@ -4641,11 +5059,7 @@
             </a:r>
             <a:r>
               <a:rPr lang="ko-KR" altLang="en-US" sz="1600" dirty="0" smtClean="0"/>
-              <a:t>유료계정 </a:t>
-            </a:r>
-            <a:r>
-              <a:rPr lang="ko-KR" altLang="en-US" sz="1600" dirty="0" smtClean="0"/>
-              <a:t>등록여부 </a:t>
+              <a:t>유료계정 등록여부 </a:t>
             </a:r>
             <a:r>
               <a:rPr lang="en-US" altLang="ko-KR" sz="1600" dirty="0" smtClean="0"/>
@@ -4667,7 +5081,6 @@
               <a:rPr lang="en-US" altLang="ko-KR" sz="1600" dirty="0" smtClean="0"/>
               <a:t>=1)</a:t>
             </a:r>
-            <a:endParaRPr lang="en-US" altLang="ko-KR" sz="1600" dirty="0" smtClean="0"/>
           </a:p>
           <a:p>
             <a:r>
@@ -4959,7 +5372,7 @@
 </p:sld>
 </file>
 
-<file path=ppt/slides/slide5.xml><?xml version="1.0" encoding="utf-8"?>
+<file path=ppt/slides/slide4.xml><?xml version="1.0" encoding="utf-8"?>
 <p:sld xmlns:a="http://schemas.openxmlformats.org/drawingml/2006/main" xmlns:r="http://schemas.openxmlformats.org/officeDocument/2006/relationships" xmlns:p="http://schemas.openxmlformats.org/presentationml/2006/main">
   <p:cSld>
     <p:spTree>
@@ -5024,11 +5437,7 @@
             </a:r>
             <a:r>
               <a:rPr lang="en-US" altLang="ko-KR" dirty="0" smtClean="0"/>
-              <a:t>: </a:t>
-            </a:r>
-            <a:r>
-              <a:rPr lang="en-US" altLang="ko-KR" dirty="0" smtClean="0"/>
-              <a:t>logistic(x) = </a:t>
+              <a:t>: logistic(x) = </a:t>
             </a:r>
             <a:r>
               <a:rPr lang="en-US" altLang="ko-KR" dirty="0"/>
@@ -5040,11 +5449,7 @@
             <a:pPr lvl="1"/>
             <a:r>
               <a:rPr lang="en-US" altLang="ko-KR" dirty="0" smtClean="0"/>
-              <a:t>g(x</a:t>
-            </a:r>
-            <a:r>
-              <a:rPr lang="en-US" altLang="ko-KR" dirty="0" smtClean="0"/>
-              <a:t>) = 1 / (1+e</a:t>
+              <a:t>g(x) = 1 / (1+e</a:t>
             </a:r>
             <a:r>
               <a:rPr lang="en-US" altLang="ko-KR" baseline="30000" dirty="0" smtClean="0"/>
@@ -5819,6 +6224,416 @@
 </p:sld>
 </file>
 
+<file path=ppt/slides/slide5.xml><?xml version="1.0" encoding="utf-8"?>
+<p:sld xmlns:a="http://schemas.openxmlformats.org/drawingml/2006/main" xmlns:r="http://schemas.openxmlformats.org/officeDocument/2006/relationships" xmlns:p="http://schemas.openxmlformats.org/presentationml/2006/main">
+  <p:cSld>
+    <p:spTree>
+      <p:nvGrpSpPr>
+        <p:cNvPr id="1" name=""/>
+        <p:cNvGrpSpPr/>
+        <p:nvPr/>
+      </p:nvGrpSpPr>
+      <p:grpSpPr>
+        <a:xfrm>
+          <a:off x="0" y="0"/>
+          <a:ext cx="0" cy="0"/>
+          <a:chOff x="0" y="0"/>
+          <a:chExt cx="0" cy="0"/>
+        </a:xfrm>
+      </p:grpSpPr>
+      <p:sp>
+        <p:nvSpPr>
+          <p:cNvPr id="2" name="제목 1"/>
+          <p:cNvSpPr>
+            <a:spLocks noGrp="1"/>
+          </p:cNvSpPr>
+          <p:nvPr>
+            <p:ph type="title"/>
+          </p:nvPr>
+        </p:nvSpPr>
+        <p:spPr/>
+        <p:txBody>
+          <a:bodyPr/>
+          <a:lstStyle/>
+          <a:p>
+            <a:r>
+              <a:rPr lang="en-US" altLang="ko-KR" dirty="0" smtClean="0"/>
+              <a:t>16.3 </a:t>
+            </a:r>
+            <a:r>
+              <a:rPr lang="ko-KR" altLang="en-US" dirty="0" smtClean="0"/>
+              <a:t>모델 적용하기</a:t>
+            </a:r>
+            <a:endParaRPr lang="ko-KR" altLang="en-US" dirty="0"/>
+          </a:p>
+        </p:txBody>
+      </p:sp>
+      <p:sp>
+        <p:nvSpPr>
+          <p:cNvPr id="3" name="내용 개체 틀 2"/>
+          <p:cNvSpPr>
+            <a:spLocks noGrp="1"/>
+          </p:cNvSpPr>
+          <p:nvPr>
+            <p:ph idx="1"/>
+          </p:nvPr>
+        </p:nvSpPr>
+        <p:spPr/>
+        <p:txBody>
+          <a:bodyPr>
+            <a:normAutofit fontScale="92500" lnSpcReduction="20000"/>
+          </a:bodyPr>
+          <a:lstStyle/>
+          <a:p>
+            <a:r>
+              <a:rPr lang="ko-KR" altLang="en-US" dirty="0" smtClean="0"/>
+              <a:t>교재</a:t>
+            </a:r>
+            <a:endParaRPr lang="en-US" altLang="ko-KR" dirty="0" smtClean="0"/>
+          </a:p>
+          <a:p>
+            <a:pPr lvl="1"/>
+            <a:r>
+              <a:rPr lang="ko-KR" altLang="en-US" dirty="0" err="1" smtClean="0"/>
+              <a:t>경사하강법을</a:t>
+            </a:r>
+            <a:r>
+              <a:rPr lang="ko-KR" altLang="en-US" dirty="0" smtClean="0"/>
+              <a:t> 이용하여 </a:t>
+            </a:r>
+            <a:r>
+              <a:rPr lang="en-US" altLang="ko-KR" dirty="0" err="1" smtClean="0"/>
+              <a:t>beta_hat</a:t>
+            </a:r>
+            <a:r>
+              <a:rPr lang="en-US" altLang="ko-KR" dirty="0" smtClean="0"/>
+              <a:t> </a:t>
+            </a:r>
+            <a:r>
+              <a:rPr lang="ko-KR" altLang="en-US" dirty="0" smtClean="0"/>
+              <a:t>구함</a:t>
+            </a:r>
+            <a:r>
+              <a:rPr lang="en-US" altLang="ko-KR" dirty="0" smtClean="0"/>
+              <a:t>. (</a:t>
+            </a:r>
+            <a:r>
+              <a:rPr lang="ko-KR" altLang="en-US" dirty="0" smtClean="0"/>
+              <a:t>전개과정 </a:t>
+            </a:r>
+            <a:r>
+              <a:rPr lang="en-US" altLang="ko-KR" dirty="0" smtClean="0"/>
+              <a:t>skip)</a:t>
+            </a:r>
+          </a:p>
+          <a:p>
+            <a:r>
+              <a:rPr lang="en-US" altLang="ko-KR" dirty="0" smtClean="0"/>
+              <a:t>By </a:t>
+            </a:r>
+            <a:r>
+              <a:rPr lang="en-US" altLang="ko-KR" dirty="0" err="1" smtClean="0"/>
+              <a:t>Scikit</a:t>
+            </a:r>
+            <a:r>
+              <a:rPr lang="en-US" altLang="ko-KR" dirty="0" smtClean="0"/>
+              <a:t>-learn</a:t>
+            </a:r>
+            <a:r>
+              <a:rPr lang="ko-KR" altLang="en-US" dirty="0" smtClean="0"/>
+              <a:t>에 의한 활용법 학습</a:t>
+            </a:r>
+            <a:endParaRPr lang="en-US" altLang="ko-KR" dirty="0" smtClean="0"/>
+          </a:p>
+          <a:p>
+            <a:pPr lvl="1"/>
+            <a:r>
+              <a:rPr lang="en-US" altLang="ko-KR" dirty="0" err="1" smtClean="0"/>
+              <a:t>sklearn.linear_model.LogisticRegression</a:t>
+            </a:r>
+            <a:endParaRPr lang="en-US" altLang="ko-KR" dirty="0"/>
+          </a:p>
+          <a:p>
+            <a:pPr lvl="2"/>
+            <a:r>
+              <a:rPr lang="en-US" altLang="ko-KR" dirty="0" smtClean="0"/>
+              <a:t>Binary classification </a:t>
+            </a:r>
+            <a:r>
+              <a:rPr lang="ko-KR" altLang="en-US" dirty="0" smtClean="0"/>
+              <a:t>과 </a:t>
+            </a:r>
+            <a:r>
+              <a:rPr lang="en-US" altLang="ko-KR" dirty="0" err="1" smtClean="0"/>
+              <a:t>mutimodal</a:t>
+            </a:r>
+            <a:r>
+              <a:rPr lang="en-US" altLang="ko-KR" dirty="0" smtClean="0"/>
+              <a:t> </a:t>
+            </a:r>
+            <a:r>
+              <a:rPr lang="en-US" altLang="ko-KR" dirty="0" err="1" smtClean="0"/>
+              <a:t>classifcation</a:t>
+            </a:r>
+            <a:r>
+              <a:rPr lang="ko-KR" altLang="en-US" dirty="0" smtClean="0"/>
+              <a:t>을 함께 지원</a:t>
+            </a:r>
+            <a:endParaRPr lang="en-US" altLang="ko-KR" dirty="0" smtClean="0"/>
+          </a:p>
+          <a:p>
+            <a:pPr marL="630238" lvl="2" indent="0">
+              <a:buNone/>
+            </a:pPr>
+            <a:r>
+              <a:rPr lang="en-US" altLang="ko-KR" dirty="0" smtClean="0">
+                <a:sym typeface="Wingdings" pitchFamily="2" charset="2"/>
+              </a:rPr>
+              <a:t> </a:t>
+            </a:r>
+            <a:r>
+              <a:rPr lang="ko-KR" altLang="en-US" dirty="0" smtClean="0">
+                <a:sym typeface="Wingdings" pitchFamily="2" charset="2"/>
+              </a:rPr>
+              <a:t>본 과목에서는 </a:t>
+            </a:r>
+            <a:r>
+              <a:rPr lang="en-US" altLang="ko-KR" dirty="0" smtClean="0">
+                <a:sym typeface="Wingdings" pitchFamily="2" charset="2"/>
+              </a:rPr>
+              <a:t>binary classification</a:t>
+            </a:r>
+            <a:r>
+              <a:rPr lang="ko-KR" altLang="en-US" dirty="0" smtClean="0">
+                <a:sym typeface="Wingdings" pitchFamily="2" charset="2"/>
+              </a:rPr>
+              <a:t>으로 제한 </a:t>
+            </a:r>
+            <a:endParaRPr lang="en-US" altLang="ko-KR" dirty="0" smtClean="0"/>
+          </a:p>
+          <a:p>
+            <a:pPr lvl="1"/>
+            <a:r>
+              <a:rPr lang="ko-KR" altLang="en-US" dirty="0" smtClean="0"/>
+              <a:t>특징</a:t>
+            </a:r>
+            <a:r>
+              <a:rPr lang="en-US" altLang="ko-KR" dirty="0" smtClean="0"/>
+              <a:t>: fitting </a:t>
+            </a:r>
+            <a:r>
+              <a:rPr lang="ko-KR" altLang="en-US" dirty="0" smtClean="0"/>
+              <a:t>계산과정에서 </a:t>
+            </a:r>
+            <a:r>
+              <a:rPr lang="en-US" altLang="ko-KR" dirty="0" smtClean="0"/>
+              <a:t>random number</a:t>
+            </a:r>
+            <a:r>
+              <a:rPr lang="ko-KR" altLang="en-US" dirty="0" smtClean="0"/>
+              <a:t>를 사용하므로</a:t>
+            </a:r>
+            <a:r>
+              <a:rPr lang="en-US" altLang="ko-KR" dirty="0" smtClean="0"/>
+              <a:t>, </a:t>
+            </a:r>
+            <a:r>
+              <a:rPr lang="ko-KR" altLang="en-US" dirty="0" smtClean="0"/>
+              <a:t>매번 결과가 약간 차이가 날 수 있음</a:t>
+            </a:r>
+            <a:endParaRPr lang="en-US" altLang="ko-KR" dirty="0" smtClean="0"/>
+          </a:p>
+          <a:p>
+            <a:pPr lvl="1"/>
+            <a:r>
+              <a:rPr lang="ko-KR" altLang="en-US" dirty="0" smtClean="0"/>
+              <a:t>계산방법</a:t>
+            </a:r>
+            <a:r>
+              <a:rPr lang="en-US" altLang="ko-KR" dirty="0" smtClean="0"/>
+              <a:t>: </a:t>
+            </a:r>
+            <a:r>
+              <a:rPr lang="en-US" altLang="ko-KR" dirty="0" smtClean="0">
+                <a:sym typeface="Wingdings" pitchFamily="2" charset="2"/>
+              </a:rPr>
+              <a:t> </a:t>
+            </a:r>
+            <a:r>
+              <a:rPr lang="ko-KR" altLang="en-US" dirty="0" smtClean="0">
+                <a:sym typeface="Wingdings" pitchFamily="2" charset="2"/>
+              </a:rPr>
+              <a:t>본 과목에서는</a:t>
+            </a:r>
+            <a:r>
+              <a:rPr lang="en-US" altLang="ko-KR" dirty="0" smtClean="0"/>
+              <a:t>LIBLINEAR</a:t>
+            </a:r>
+            <a:r>
+              <a:rPr lang="ko-KR" altLang="en-US" dirty="0" smtClean="0"/>
+              <a:t>를 주로 사용</a:t>
+            </a:r>
+            <a:endParaRPr lang="en-US" altLang="ko-KR" dirty="0" smtClean="0"/>
+          </a:p>
+          <a:p>
+            <a:pPr lvl="2"/>
+            <a:r>
+              <a:rPr lang="en-US" altLang="ko-KR" dirty="0"/>
+              <a:t>LIBLINEAR – A Library for Large Linear Classification</a:t>
+            </a:r>
+            <a:r>
+              <a:rPr lang="en-US" altLang="ko-KR" dirty="0">
+                <a:hlinkClick r:id="rId2"/>
+              </a:rPr>
+              <a:t>https://www.csie.ntu.edu.tw/~cjlin/liblinear</a:t>
+            </a:r>
+            <a:r>
+              <a:rPr lang="en-US" altLang="ko-KR" dirty="0" smtClean="0">
+                <a:hlinkClick r:id="rId2"/>
+              </a:rPr>
+              <a:t>/</a:t>
+            </a:r>
+            <a:endParaRPr lang="en-US" altLang="ko-KR" dirty="0" smtClean="0"/>
+          </a:p>
+          <a:p>
+            <a:pPr lvl="2"/>
+            <a:r>
+              <a:rPr lang="en-US" altLang="ko-KR" dirty="0" smtClean="0"/>
+              <a:t>SAG </a:t>
+            </a:r>
+            <a:r>
+              <a:rPr lang="en-US" altLang="ko-KR" dirty="0"/>
+              <a:t>– Mark Schmidt, Nicolas Le Roux, and Francis </a:t>
+            </a:r>
+            <a:r>
+              <a:rPr lang="en-US" altLang="ko-KR" dirty="0" err="1"/>
+              <a:t>BachMinimizing</a:t>
+            </a:r>
+            <a:r>
+              <a:rPr lang="en-US" altLang="ko-KR" dirty="0"/>
+              <a:t> Finite Sums with the Stochastic Average Gradient </a:t>
+            </a:r>
+            <a:r>
+              <a:rPr lang="en-US" altLang="ko-KR" dirty="0">
+                <a:hlinkClick r:id="rId3"/>
+              </a:rPr>
+              <a:t>https://</a:t>
+            </a:r>
+            <a:r>
+              <a:rPr lang="en-US" altLang="ko-KR" dirty="0" smtClean="0">
+                <a:hlinkClick r:id="rId3"/>
+              </a:rPr>
+              <a:t>hal.inria.fr/hal-00860051/document</a:t>
+            </a:r>
+            <a:endParaRPr lang="en-US" altLang="ko-KR" dirty="0" smtClean="0"/>
+          </a:p>
+          <a:p>
+            <a:pPr lvl="2"/>
+            <a:r>
+              <a:rPr lang="en-US" altLang="ko-KR" dirty="0" smtClean="0"/>
+              <a:t>SAGA </a:t>
+            </a:r>
+            <a:r>
+              <a:rPr lang="en-US" altLang="ko-KR" dirty="0"/>
+              <a:t>– </a:t>
+            </a:r>
+            <a:r>
+              <a:rPr lang="en-US" altLang="ko-KR" dirty="0" err="1"/>
+              <a:t>Defazio</a:t>
+            </a:r>
+            <a:r>
+              <a:rPr lang="en-US" altLang="ko-KR" dirty="0"/>
+              <a:t>, A., Bach F. &amp; Lacoste-</a:t>
+            </a:r>
+            <a:r>
+              <a:rPr lang="en-US" altLang="ko-KR" dirty="0" err="1"/>
+              <a:t>Julien</a:t>
+            </a:r>
+            <a:r>
+              <a:rPr lang="en-US" altLang="ko-KR" dirty="0"/>
+              <a:t> S. (2014).SAGA: A Fast Incremental Gradient Method With Support for Non-Strongly Convex Composite Objectives </a:t>
+            </a:r>
+            <a:r>
+              <a:rPr lang="en-US" altLang="ko-KR" dirty="0">
+                <a:hlinkClick r:id="rId4"/>
+              </a:rPr>
+              <a:t>https://</a:t>
+            </a:r>
+            <a:r>
+              <a:rPr lang="en-US" altLang="ko-KR" dirty="0" smtClean="0">
+                <a:hlinkClick r:id="rId4"/>
+              </a:rPr>
+              <a:t>arxiv.org/abs/1407.0202</a:t>
+            </a:r>
+            <a:endParaRPr lang="en-US" altLang="ko-KR" dirty="0" smtClean="0"/>
+          </a:p>
+          <a:p>
+            <a:pPr lvl="2"/>
+            <a:r>
+              <a:rPr lang="en-US" altLang="ko-KR" dirty="0" smtClean="0"/>
+              <a:t>Hsiang-Fu </a:t>
+            </a:r>
+            <a:r>
+              <a:rPr lang="en-US" altLang="ko-KR" dirty="0"/>
+              <a:t>Yu, Fang-</a:t>
+            </a:r>
+            <a:r>
+              <a:rPr lang="en-US" altLang="ko-KR" dirty="0" err="1"/>
+              <a:t>Lan</a:t>
+            </a:r>
+            <a:r>
+              <a:rPr lang="en-US" altLang="ko-KR" dirty="0"/>
+              <a:t> Huang, </a:t>
+            </a:r>
+            <a:r>
+              <a:rPr lang="en-US" altLang="ko-KR" dirty="0" err="1"/>
+              <a:t>Chih</a:t>
+            </a:r>
+            <a:r>
+              <a:rPr lang="en-US" altLang="ko-KR" dirty="0"/>
+              <a:t>-Jen Lin (2011). Dual coordinate </a:t>
+            </a:r>
+            <a:r>
+              <a:rPr lang="en-US" altLang="ko-KR" dirty="0" err="1"/>
+              <a:t>descentmethods</a:t>
+            </a:r>
+            <a:r>
+              <a:rPr lang="en-US" altLang="ko-KR" dirty="0"/>
+              <a:t> for logistic regression and maximum entropy models. Machine Learning 85(1-2):</a:t>
+            </a:r>
+            <a:r>
+              <a:rPr lang="en-US" altLang="ko-KR" dirty="0" smtClean="0"/>
+              <a:t>41-75. </a:t>
+            </a:r>
+            <a:r>
+              <a:rPr lang="en-US" altLang="ko-KR" dirty="0" smtClean="0">
+                <a:hlinkClick r:id="rId5"/>
+              </a:rPr>
+              <a:t>https</a:t>
+            </a:r>
+            <a:r>
+              <a:rPr lang="en-US" altLang="ko-KR" dirty="0">
+                <a:hlinkClick r:id="rId5"/>
+              </a:rPr>
+              <a:t>://www.csie.ntu.edu.tw/~cjlin/papers/maxent_dual.pdf</a:t>
+            </a:r>
+            <a:endParaRPr lang="ko-KR" altLang="en-US" dirty="0"/>
+          </a:p>
+        </p:txBody>
+      </p:sp>
+    </p:spTree>
+    <p:extLst>
+      <p:ext uri="{BB962C8B-B14F-4D97-AF65-F5344CB8AC3E}">
+        <p14:creationId xmlns:p14="http://schemas.microsoft.com/office/powerpoint/2010/main" val="3510906983"/>
+      </p:ext>
+    </p:extLst>
+  </p:cSld>
+  <p:clrMapOvr>
+    <a:masterClrMapping/>
+  </p:clrMapOvr>
+</p:sld>
+</file>
+
 <file path=ppt/slides/slide6.xml><?xml version="1.0" encoding="utf-8"?>
 <p:sld xmlns:a="http://schemas.openxmlformats.org/drawingml/2006/main" xmlns:r="http://schemas.openxmlformats.org/officeDocument/2006/relationships" xmlns:p="http://schemas.openxmlformats.org/presentationml/2006/main">
   <p:cSld>
@@ -5853,11 +6668,15 @@
           <a:p>
             <a:r>
               <a:rPr lang="en-US" altLang="ko-KR" dirty="0" smtClean="0"/>
-              <a:t>16.3 </a:t>
-            </a:r>
-            <a:r>
-              <a:rPr lang="ko-KR" altLang="en-US" dirty="0" smtClean="0"/>
-              <a:t>모델 적용하기</a:t>
+              <a:t>By </a:t>
+            </a:r>
+            <a:r>
+              <a:rPr lang="en-US" altLang="ko-KR" dirty="0" err="1" smtClean="0"/>
+              <a:t>scikit</a:t>
+            </a:r>
+            <a:r>
+              <a:rPr lang="en-US" altLang="ko-KR" dirty="0" smtClean="0"/>
+              <a:t>-learn</a:t>
             </a:r>
             <a:endParaRPr lang="ko-KR" altLang="en-US" dirty="0"/>
           </a:p>
@@ -5876,341 +6695,478 @@
         <p:spPr/>
         <p:txBody>
           <a:bodyPr>
-            <a:normAutofit fontScale="92500" lnSpcReduction="20000"/>
+            <a:normAutofit fontScale="85000" lnSpcReduction="10000"/>
           </a:bodyPr>
           <a:lstStyle/>
           <a:p>
             <a:r>
-              <a:rPr lang="ko-KR" altLang="en-US" dirty="0" smtClean="0"/>
-              <a:t>교재</a:t>
+              <a:rPr lang="en-US" altLang="ko-KR" b="0" i="1" dirty="0"/>
+              <a:t>class </a:t>
+            </a:r>
+            <a:r>
+              <a:rPr lang="en-US" altLang="ko-KR" dirty="0" err="1"/>
+              <a:t>sklearn.linear_model.LogisticRegression</a:t>
+            </a:r>
+            <a:r>
+              <a:rPr lang="en-US" altLang="ko-KR" sz="1800" b="0" dirty="0"/>
+              <a:t>(</a:t>
+            </a:r>
+            <a:r>
+              <a:rPr lang="en-US" altLang="ko-KR" sz="1800" b="0" i="1" dirty="0"/>
+              <a:t>penalty=’l2’</a:t>
+            </a:r>
+            <a:r>
+              <a:rPr lang="en-US" altLang="ko-KR" sz="1800" b="0" dirty="0"/>
+              <a:t>, </a:t>
+            </a:r>
+            <a:r>
+              <a:rPr lang="en-US" altLang="ko-KR" sz="1800" b="0" i="1" dirty="0"/>
+              <a:t>dual=False</a:t>
+            </a:r>
+            <a:r>
+              <a:rPr lang="en-US" altLang="ko-KR" sz="1800" b="0" dirty="0"/>
+              <a:t>, </a:t>
+            </a:r>
+            <a:r>
+              <a:rPr lang="en-US" altLang="ko-KR" sz="1800" b="0" i="1" dirty="0" err="1"/>
+              <a:t>tol</a:t>
+            </a:r>
+            <a:r>
+              <a:rPr lang="en-US" altLang="ko-KR" sz="1800" b="0" i="1" dirty="0"/>
+              <a:t>=0.0001</a:t>
+            </a:r>
+            <a:r>
+              <a:rPr lang="en-US" altLang="ko-KR" sz="1800" b="0" dirty="0"/>
+              <a:t>, </a:t>
+            </a:r>
+            <a:r>
+              <a:rPr lang="en-US" altLang="ko-KR" sz="1800" b="0" i="1" dirty="0"/>
+              <a:t>C=1.0</a:t>
+            </a:r>
+            <a:r>
+              <a:rPr lang="en-US" altLang="ko-KR" sz="1800" b="0" dirty="0"/>
+              <a:t>, </a:t>
+            </a:r>
+            <a:r>
+              <a:rPr lang="en-US" altLang="ko-KR" sz="1800" b="0" i="1" dirty="0" err="1"/>
+              <a:t>fit_intercept</a:t>
+            </a:r>
+            <a:r>
+              <a:rPr lang="en-US" altLang="ko-KR" sz="1800" b="0" i="1" dirty="0"/>
+              <a:t>=True</a:t>
+            </a:r>
+            <a:r>
+              <a:rPr lang="en-US" altLang="ko-KR" sz="1800" b="0" dirty="0"/>
+              <a:t>, </a:t>
+            </a:r>
+            <a:r>
+              <a:rPr lang="en-US" altLang="ko-KR" sz="1800" b="0" i="1" dirty="0" err="1"/>
+              <a:t>intercept_scaling</a:t>
+            </a:r>
+            <a:r>
+              <a:rPr lang="en-US" altLang="ko-KR" sz="1800" b="0" i="1" dirty="0"/>
+              <a:t>=1</a:t>
+            </a:r>
+            <a:r>
+              <a:rPr lang="en-US" altLang="ko-KR" sz="1800" b="0" dirty="0"/>
+              <a:t>, </a:t>
+            </a:r>
+            <a:r>
+              <a:rPr lang="en-US" altLang="ko-KR" sz="1800" b="0" i="1" dirty="0" err="1"/>
+              <a:t>class_weight</a:t>
+            </a:r>
+            <a:r>
+              <a:rPr lang="en-US" altLang="ko-KR" sz="1800" b="0" i="1" dirty="0"/>
+              <a:t>=None</a:t>
+            </a:r>
+            <a:r>
+              <a:rPr lang="en-US" altLang="ko-KR" sz="1800" b="0" dirty="0"/>
+              <a:t>, </a:t>
+            </a:r>
+            <a:r>
+              <a:rPr lang="en-US" altLang="ko-KR" sz="1800" b="0" i="1" dirty="0" err="1"/>
+              <a:t>random_state</a:t>
+            </a:r>
+            <a:r>
+              <a:rPr lang="en-US" altLang="ko-KR" sz="1800" b="0" i="1" dirty="0"/>
+              <a:t>=None</a:t>
+            </a:r>
+            <a:r>
+              <a:rPr lang="en-US" altLang="ko-KR" sz="1800" b="0" dirty="0"/>
+              <a:t>, </a:t>
+            </a:r>
+            <a:r>
+              <a:rPr lang="en-US" altLang="ko-KR" sz="1800" b="0" i="1" dirty="0"/>
+              <a:t>solver=’warn’</a:t>
+            </a:r>
+            <a:r>
+              <a:rPr lang="en-US" altLang="ko-KR" sz="1800" b="0" dirty="0"/>
+              <a:t>, </a:t>
+            </a:r>
+            <a:r>
+              <a:rPr lang="en-US" altLang="ko-KR" sz="1800" b="0" i="1" dirty="0" err="1"/>
+              <a:t>max_iter</a:t>
+            </a:r>
+            <a:r>
+              <a:rPr lang="en-US" altLang="ko-KR" sz="1800" b="0" i="1" dirty="0"/>
+              <a:t>=100</a:t>
+            </a:r>
+            <a:r>
+              <a:rPr lang="en-US" altLang="ko-KR" sz="1800" b="0" dirty="0"/>
+              <a:t>, </a:t>
+            </a:r>
+            <a:r>
+              <a:rPr lang="en-US" altLang="ko-KR" sz="1800" b="0" i="1" dirty="0" err="1"/>
+              <a:t>multi_class</a:t>
+            </a:r>
+            <a:r>
+              <a:rPr lang="en-US" altLang="ko-KR" sz="1800" b="0" i="1" dirty="0"/>
+              <a:t>=’warn’</a:t>
+            </a:r>
+            <a:r>
+              <a:rPr lang="en-US" altLang="ko-KR" sz="1800" b="0" dirty="0"/>
+              <a:t>, </a:t>
+            </a:r>
+            <a:r>
+              <a:rPr lang="en-US" altLang="ko-KR" sz="1800" b="0" i="1" dirty="0"/>
+              <a:t>verbose=0</a:t>
+            </a:r>
+            <a:r>
+              <a:rPr lang="en-US" altLang="ko-KR" sz="1800" b="0" dirty="0"/>
+              <a:t>, </a:t>
+            </a:r>
+            <a:r>
+              <a:rPr lang="en-US" altLang="ko-KR" sz="1800" b="0" i="1" dirty="0" err="1"/>
+              <a:t>warm_start</a:t>
+            </a:r>
+            <a:r>
+              <a:rPr lang="en-US" altLang="ko-KR" sz="1800" b="0" i="1" dirty="0"/>
+              <a:t>=False</a:t>
+            </a:r>
+            <a:r>
+              <a:rPr lang="en-US" altLang="ko-KR" sz="1800" b="0" dirty="0"/>
+              <a:t>, </a:t>
+            </a:r>
+            <a:r>
+              <a:rPr lang="en-US" altLang="ko-KR" sz="1800" b="0" i="1" dirty="0" err="1"/>
+              <a:t>n_jobs</a:t>
+            </a:r>
+            <a:r>
+              <a:rPr lang="en-US" altLang="ko-KR" sz="1800" b="0" i="1" dirty="0"/>
+              <a:t>=None</a:t>
+            </a:r>
+            <a:r>
+              <a:rPr lang="en-US" altLang="ko-KR" b="0" dirty="0" smtClean="0"/>
+              <a:t>)</a:t>
+            </a:r>
+          </a:p>
+          <a:p>
+            <a:pPr lvl="1"/>
+            <a:r>
+              <a:rPr lang="en-US" altLang="ko-KR" dirty="0" err="1"/>
+              <a:t>random_state</a:t>
+            </a:r>
+            <a:r>
+              <a:rPr lang="en-US" altLang="ko-KR" dirty="0"/>
+              <a:t> : </a:t>
+            </a:r>
+            <a:r>
+              <a:rPr lang="en-US" altLang="ko-KR" i="1" dirty="0" err="1"/>
+              <a:t>int</a:t>
+            </a:r>
+            <a:r>
+              <a:rPr lang="en-US" altLang="ko-KR" i="1" dirty="0"/>
+              <a:t>, </a:t>
+            </a:r>
+            <a:r>
+              <a:rPr lang="en-US" altLang="ko-KR" i="1" dirty="0" err="1"/>
+              <a:t>RandomState</a:t>
+            </a:r>
+            <a:r>
+              <a:rPr lang="en-US" altLang="ko-KR" i="1" dirty="0"/>
+              <a:t> instance or None, optional, default: </a:t>
+            </a:r>
+            <a:r>
+              <a:rPr lang="en-US" altLang="ko-KR" i="1" dirty="0" smtClean="0"/>
+              <a:t>None</a:t>
+            </a:r>
+          </a:p>
+          <a:p>
+            <a:pPr lvl="2"/>
+            <a:r>
+              <a:rPr lang="en-US" altLang="ko-KR" dirty="0"/>
+              <a:t>The seed of the pseudo random number generator to use when shuffling the data. Used when solver == ‘sag’ or ‘</a:t>
+            </a:r>
+            <a:r>
+              <a:rPr lang="en-US" altLang="ko-KR" dirty="0" err="1"/>
+              <a:t>liblinear</a:t>
+            </a:r>
+            <a:r>
+              <a:rPr lang="en-US" altLang="ko-KR" dirty="0"/>
+              <a:t>’.</a:t>
             </a:r>
             <a:endParaRPr lang="en-US" altLang="ko-KR" dirty="0" smtClean="0"/>
           </a:p>
           <a:p>
+            <a:pPr lvl="3"/>
+            <a:r>
+              <a:rPr lang="en-US" altLang="ko-KR" dirty="0" smtClean="0"/>
+              <a:t>If </a:t>
+            </a:r>
+            <a:r>
+              <a:rPr lang="en-US" altLang="ko-KR" dirty="0" err="1"/>
+              <a:t>int</a:t>
+            </a:r>
+            <a:r>
+              <a:rPr lang="en-US" altLang="ko-KR" dirty="0"/>
+              <a:t>, </a:t>
+            </a:r>
+            <a:r>
+              <a:rPr lang="en-US" altLang="ko-KR" dirty="0" err="1"/>
+              <a:t>random_state</a:t>
+            </a:r>
+            <a:r>
+              <a:rPr lang="en-US" altLang="ko-KR" dirty="0"/>
+              <a:t> is the seed used by the random number generator; </a:t>
+            </a:r>
+            <a:endParaRPr lang="en-US" altLang="ko-KR" dirty="0" smtClean="0"/>
+          </a:p>
+          <a:p>
+            <a:pPr lvl="3"/>
+            <a:r>
+              <a:rPr lang="en-US" altLang="ko-KR" dirty="0" smtClean="0"/>
+              <a:t>If </a:t>
+            </a:r>
+            <a:r>
+              <a:rPr lang="en-US" altLang="ko-KR" dirty="0" err="1"/>
+              <a:t>RandomState</a:t>
+            </a:r>
+            <a:r>
+              <a:rPr lang="en-US" altLang="ko-KR" dirty="0"/>
+              <a:t> instance, </a:t>
+            </a:r>
+            <a:r>
+              <a:rPr lang="en-US" altLang="ko-KR" dirty="0" err="1"/>
+              <a:t>random_state</a:t>
+            </a:r>
+            <a:r>
+              <a:rPr lang="en-US" altLang="ko-KR" dirty="0"/>
+              <a:t> is the random number generator; </a:t>
+            </a:r>
+            <a:endParaRPr lang="en-US" altLang="ko-KR" dirty="0" smtClean="0"/>
+          </a:p>
+          <a:p>
+            <a:pPr lvl="3"/>
+            <a:r>
+              <a:rPr lang="en-US" altLang="ko-KR" dirty="0" smtClean="0"/>
+              <a:t>If </a:t>
+            </a:r>
+            <a:r>
+              <a:rPr lang="en-US" altLang="ko-KR" dirty="0"/>
+              <a:t>None, the random number generator is the </a:t>
+            </a:r>
+            <a:r>
+              <a:rPr lang="en-US" altLang="ko-KR" dirty="0" err="1"/>
+              <a:t>RandomState</a:t>
+            </a:r>
+            <a:r>
+              <a:rPr lang="en-US" altLang="ko-KR" dirty="0"/>
+              <a:t> instance used by </a:t>
+            </a:r>
+            <a:r>
+              <a:rPr lang="en-US" altLang="ko-KR" dirty="0" err="1"/>
+              <a:t>np.random</a:t>
+            </a:r>
+            <a:r>
+              <a:rPr lang="en-US" altLang="ko-KR" dirty="0"/>
+              <a:t>. </a:t>
+            </a:r>
+            <a:endParaRPr lang="en-US" altLang="ko-KR" dirty="0" smtClean="0"/>
+          </a:p>
+          <a:p>
             <a:pPr lvl="1"/>
             <a:r>
-              <a:rPr lang="ko-KR" altLang="en-US" dirty="0" err="1" smtClean="0"/>
-              <a:t>경사하강법을</a:t>
-            </a:r>
-            <a:r>
-              <a:rPr lang="ko-KR" altLang="en-US" dirty="0" smtClean="0"/>
-              <a:t> 이용하여 </a:t>
-            </a:r>
-            <a:r>
-              <a:rPr lang="en-US" altLang="ko-KR" dirty="0" err="1" smtClean="0"/>
-              <a:t>beta_hat</a:t>
+              <a:rPr lang="en-US" altLang="ko-KR" dirty="0"/>
+              <a:t>solver : </a:t>
+            </a:r>
+            <a:r>
+              <a:rPr lang="en-US" altLang="ko-KR" i="1" dirty="0" err="1"/>
+              <a:t>str</a:t>
+            </a:r>
+            <a:r>
+              <a:rPr lang="en-US" altLang="ko-KR" i="1" dirty="0"/>
+              <a:t>, {‘newton-cg’, ‘</a:t>
+            </a:r>
+            <a:r>
+              <a:rPr lang="en-US" altLang="ko-KR" i="1" dirty="0" err="1"/>
+              <a:t>lbfgs</a:t>
+            </a:r>
+            <a:r>
+              <a:rPr lang="en-US" altLang="ko-KR" i="1" dirty="0"/>
+              <a:t>’, ‘</a:t>
+            </a:r>
+            <a:r>
+              <a:rPr lang="en-US" altLang="ko-KR" i="1" dirty="0" err="1"/>
+              <a:t>liblinear</a:t>
+            </a:r>
+            <a:r>
+              <a:rPr lang="en-US" altLang="ko-KR" i="1" dirty="0"/>
+              <a:t>’, ‘sag’, ‘saga’}, default: ‘</a:t>
+            </a:r>
+            <a:r>
+              <a:rPr lang="en-US" altLang="ko-KR" i="1" dirty="0" err="1"/>
+              <a:t>liblinear</a:t>
+            </a:r>
+            <a:r>
+              <a:rPr lang="en-US" altLang="ko-KR" i="1" dirty="0" smtClean="0"/>
+              <a:t>’.</a:t>
+            </a:r>
+          </a:p>
+          <a:p>
+            <a:pPr lvl="2"/>
+            <a:r>
+              <a:rPr lang="en-US" altLang="ko-KR" dirty="0"/>
+              <a:t>Algorithm to use in the optimization </a:t>
             </a:r>
             <a:r>
               <a:rPr lang="en-US" altLang="ko-KR" dirty="0" smtClean="0"/>
-              <a:t> </a:t>
-            </a:r>
-            <a:r>
-              <a:rPr lang="ko-KR" altLang="en-US" dirty="0" smtClean="0"/>
-              <a:t>구함</a:t>
-            </a:r>
+              <a:t>problem</a:t>
+            </a:r>
+          </a:p>
+          <a:p>
+            <a:pPr lvl="3"/>
+            <a:r>
+              <a:rPr lang="en-US" altLang="ko-KR" b="0" dirty="0"/>
+              <a:t>For small datasets, ‘</a:t>
+            </a:r>
+            <a:r>
+              <a:rPr lang="en-US" altLang="ko-KR" b="0" dirty="0" err="1"/>
+              <a:t>liblinear</a:t>
+            </a:r>
+            <a:r>
+              <a:rPr lang="en-US" altLang="ko-KR" b="0" dirty="0"/>
+              <a:t>’ is a good choice, whereas ‘sag’ and ‘saga’ are faster for large ones.</a:t>
+            </a:r>
+          </a:p>
+          <a:p>
+            <a:pPr lvl="3"/>
+            <a:r>
+              <a:rPr lang="en-US" altLang="ko-KR" b="0" dirty="0"/>
+              <a:t>For multiclass problems, only ‘newton-cg’, ‘sag’, ‘saga’ and ‘</a:t>
+            </a:r>
+            <a:r>
+              <a:rPr lang="en-US" altLang="ko-KR" b="0" dirty="0" err="1"/>
+              <a:t>lbfgs</a:t>
+            </a:r>
+            <a:r>
+              <a:rPr lang="en-US" altLang="ko-KR" b="0" dirty="0"/>
+              <a:t>’ handle multinomial loss; ‘</a:t>
+            </a:r>
+            <a:r>
+              <a:rPr lang="en-US" altLang="ko-KR" b="0" dirty="0" err="1"/>
+              <a:t>liblinear</a:t>
+            </a:r>
+            <a:r>
+              <a:rPr lang="en-US" altLang="ko-KR" b="0" dirty="0"/>
+              <a:t>’ is limited to one-versus-rest schemes.</a:t>
+            </a:r>
+          </a:p>
+          <a:p>
+            <a:pPr lvl="1"/>
+            <a:r>
+              <a:rPr lang="en-US" altLang="ko-KR" b="1" dirty="0" err="1"/>
+              <a:t>multi_class</a:t>
+            </a:r>
+            <a:r>
+              <a:rPr lang="en-US" altLang="ko-KR" b="1" dirty="0"/>
+              <a:t> : </a:t>
+            </a:r>
+            <a:r>
+              <a:rPr lang="en-US" altLang="ko-KR" b="1" i="1" dirty="0" err="1"/>
+              <a:t>str</a:t>
+            </a:r>
+            <a:r>
+              <a:rPr lang="en-US" altLang="ko-KR" b="1" i="1" dirty="0"/>
+              <a:t>, {‘</a:t>
+            </a:r>
+            <a:r>
+              <a:rPr lang="en-US" altLang="ko-KR" b="1" i="1" dirty="0" err="1"/>
+              <a:t>ovr</a:t>
+            </a:r>
+            <a:r>
+              <a:rPr lang="en-US" altLang="ko-KR" b="1" i="1" dirty="0"/>
+              <a:t>’, ‘multinomial’, ‘auto’}, default: ‘</a:t>
+            </a:r>
+            <a:r>
+              <a:rPr lang="en-US" altLang="ko-KR" b="1" i="1" dirty="0" err="1"/>
+              <a:t>ovr</a:t>
+            </a:r>
+            <a:r>
+              <a:rPr lang="en-US" altLang="ko-KR" b="1" i="1" dirty="0" smtClean="0"/>
+              <a:t>’</a:t>
+            </a:r>
+          </a:p>
+          <a:p>
+            <a:pPr lvl="2"/>
             <a:r>
               <a:rPr lang="en-US" altLang="ko-KR" dirty="0" smtClean="0"/>
-              <a:t>. (</a:t>
-            </a:r>
-            <a:r>
-              <a:rPr lang="ko-KR" altLang="en-US" dirty="0" smtClean="0"/>
-              <a:t>전개과정 </a:t>
+              <a:t>‘</a:t>
+            </a:r>
+            <a:r>
+              <a:rPr lang="en-US" altLang="ko-KR" dirty="0" err="1"/>
+              <a:t>ovr</a:t>
             </a:r>
             <a:r>
               <a:rPr lang="en-US" altLang="ko-KR" dirty="0" smtClean="0"/>
-              <a:t>skip)</a:t>
-            </a:r>
-          </a:p>
-          <a:p>
+              <a:t>’ (</a:t>
+            </a:r>
+            <a:r>
+              <a:rPr lang="en-US" altLang="ko-KR" dirty="0"/>
+              <a:t>one vs. </a:t>
+            </a:r>
             <a:r>
               <a:rPr lang="en-US" altLang="ko-KR" dirty="0" smtClean="0"/>
-              <a:t>By </a:t>
-            </a:r>
-            <a:r>
-              <a:rPr lang="en-US" altLang="ko-KR" dirty="0" err="1" smtClean="0"/>
-              <a:t>Scikit</a:t>
+              <a:t>rest):  </a:t>
+            </a:r>
+            <a:r>
+              <a:rPr lang="en-US" altLang="ko-KR" dirty="0"/>
+              <a:t>a binary problem is fit for each label. </a:t>
+            </a:r>
+            <a:endParaRPr lang="en-US" altLang="ko-KR" dirty="0" smtClean="0"/>
+          </a:p>
+          <a:p>
+            <a:pPr lvl="2"/>
+            <a:r>
+              <a:rPr lang="en-US" altLang="ko-KR" i="1" dirty="0" smtClean="0"/>
+              <a:t>‘multinomial’: </a:t>
+            </a:r>
+            <a:r>
+              <a:rPr lang="en-US" altLang="ko-KR" dirty="0"/>
+              <a:t> </a:t>
             </a:r>
             <a:r>
               <a:rPr lang="en-US" altLang="ko-KR" dirty="0" smtClean="0"/>
-              <a:t>-learn</a:t>
-            </a:r>
-            <a:r>
-              <a:rPr lang="ko-KR" altLang="en-US" dirty="0" smtClean="0"/>
-              <a:t>에 의한 활용법 학습</a:t>
+              <a:t>multiple classification, it is unavailable </a:t>
+            </a:r>
+            <a:r>
+              <a:rPr lang="en-US" altLang="ko-KR" dirty="0"/>
+              <a:t>when solver=’</a:t>
+            </a:r>
+            <a:r>
+              <a:rPr lang="en-US" altLang="ko-KR" dirty="0" err="1"/>
+              <a:t>liblinear</a:t>
+            </a:r>
+            <a:r>
+              <a:rPr lang="en-US" altLang="ko-KR" dirty="0"/>
+              <a:t>’. </a:t>
             </a:r>
             <a:endParaRPr lang="en-US" altLang="ko-KR" dirty="0" smtClean="0"/>
           </a:p>
           <a:p>
-            <a:pPr lvl="1"/>
-            <a:r>
-              <a:rPr lang="en-US" altLang="ko-KR" dirty="0" err="1" smtClean="0"/>
-              <a:t>sklearn.linear_model.LogisticRegression</a:t>
-            </a:r>
-            <a:endParaRPr lang="en-US" altLang="ko-KR" dirty="0"/>
-          </a:p>
-          <a:p>
             <a:pPr lvl="2"/>
             <a:r>
               <a:rPr lang="en-US" altLang="ko-KR" dirty="0" smtClean="0"/>
-              <a:t>Binary classification </a:t>
-            </a:r>
-            <a:r>
-              <a:rPr lang="ko-KR" altLang="en-US" dirty="0" smtClean="0"/>
-              <a:t>과 </a:t>
-            </a:r>
-            <a:r>
-              <a:rPr lang="en-US" altLang="ko-KR" dirty="0" err="1" smtClean="0"/>
-              <a:t>mutimodal</a:t>
-            </a:r>
-            <a:r>
-              <a:rPr lang="en-US" altLang="ko-KR" dirty="0" smtClean="0"/>
-              <a:t> </a:t>
-            </a:r>
-            <a:r>
-              <a:rPr lang="en-US" altLang="ko-KR" dirty="0" err="1" smtClean="0"/>
-              <a:t>classifcation</a:t>
-            </a:r>
-            <a:r>
-              <a:rPr lang="ko-KR" altLang="en-US" dirty="0" smtClean="0"/>
-              <a:t>을 함께 지원</a:t>
-            </a:r>
-            <a:endParaRPr lang="en-US" altLang="ko-KR" dirty="0" smtClean="0"/>
-          </a:p>
-          <a:p>
-            <a:pPr marL="630238" lvl="2" indent="0">
-              <a:buNone/>
-            </a:pPr>
-            <a:r>
-              <a:rPr lang="en-US" altLang="ko-KR" dirty="0" smtClean="0">
-                <a:sym typeface="Wingdings" pitchFamily="2" charset="2"/>
-              </a:rPr>
-              <a:t> </a:t>
-            </a:r>
-            <a:r>
-              <a:rPr lang="ko-KR" altLang="en-US" dirty="0" smtClean="0">
-                <a:sym typeface="Wingdings" pitchFamily="2" charset="2"/>
-              </a:rPr>
-              <a:t>본 과목에서는 </a:t>
-            </a:r>
-            <a:r>
-              <a:rPr lang="en-US" altLang="ko-KR" dirty="0" smtClean="0">
-                <a:sym typeface="Wingdings" pitchFamily="2" charset="2"/>
-              </a:rPr>
-              <a:t>binary classification</a:t>
-            </a:r>
-            <a:r>
-              <a:rPr lang="ko-KR" altLang="en-US" dirty="0" smtClean="0">
-                <a:sym typeface="Wingdings" pitchFamily="2" charset="2"/>
-              </a:rPr>
-              <a:t>으로 제한 </a:t>
-            </a:r>
-            <a:endParaRPr lang="en-US" altLang="ko-KR" dirty="0" smtClean="0"/>
-          </a:p>
-          <a:p>
-            <a:pPr lvl="1"/>
-            <a:r>
-              <a:rPr lang="ko-KR" altLang="en-US" dirty="0" smtClean="0"/>
-              <a:t>특징</a:t>
-            </a:r>
-            <a:r>
-              <a:rPr lang="en-US" altLang="ko-KR" dirty="0" smtClean="0"/>
-              <a:t>: fitting </a:t>
-            </a:r>
-            <a:r>
-              <a:rPr lang="ko-KR" altLang="en-US" dirty="0" smtClean="0"/>
-              <a:t>계산과정에서 </a:t>
-            </a:r>
-            <a:r>
-              <a:rPr lang="en-US" altLang="ko-KR" dirty="0" smtClean="0"/>
-              <a:t>random number</a:t>
-            </a:r>
-            <a:r>
-              <a:rPr lang="ko-KR" altLang="en-US" dirty="0" smtClean="0"/>
-              <a:t>를 사용하므로</a:t>
-            </a:r>
-            <a:r>
-              <a:rPr lang="en-US" altLang="ko-KR" dirty="0" smtClean="0"/>
-              <a:t>, </a:t>
-            </a:r>
-            <a:r>
-              <a:rPr lang="ko-KR" altLang="en-US" dirty="0" smtClean="0"/>
-              <a:t>매번 결과가 약간 차이가 날 수 있음</a:t>
-            </a:r>
-            <a:endParaRPr lang="en-US" altLang="ko-KR" dirty="0" smtClean="0"/>
-          </a:p>
-          <a:p>
-            <a:pPr lvl="1"/>
-            <a:r>
-              <a:rPr lang="ko-KR" altLang="en-US" dirty="0" smtClean="0"/>
-              <a:t>계산방법</a:t>
-            </a:r>
-            <a:r>
-              <a:rPr lang="en-US" altLang="ko-KR" dirty="0" smtClean="0"/>
-              <a:t>: </a:t>
-            </a:r>
-            <a:r>
-              <a:rPr lang="en-US" altLang="ko-KR" dirty="0" smtClean="0">
-                <a:sym typeface="Wingdings" pitchFamily="2" charset="2"/>
-              </a:rPr>
-              <a:t> </a:t>
-            </a:r>
-            <a:r>
-              <a:rPr lang="ko-KR" altLang="en-US" dirty="0" smtClean="0">
-                <a:sym typeface="Wingdings" pitchFamily="2" charset="2"/>
-              </a:rPr>
-              <a:t>본 과목에서는</a:t>
-            </a:r>
-            <a:r>
-              <a:rPr lang="en-US" altLang="ko-KR" dirty="0" smtClean="0"/>
-              <a:t>LIBLINEAR</a:t>
-            </a:r>
-            <a:r>
-              <a:rPr lang="ko-KR" altLang="en-US" dirty="0" smtClean="0"/>
-              <a:t>를 주로 사용</a:t>
-            </a:r>
-            <a:endParaRPr lang="en-US" altLang="ko-KR" dirty="0" smtClean="0"/>
-          </a:p>
-          <a:p>
-            <a:pPr lvl="2"/>
-            <a:r>
-              <a:rPr lang="en-US" altLang="ko-KR" dirty="0"/>
-              <a:t>LIBLINEAR – A Library for Large Linear Classification</a:t>
-            </a:r>
-            <a:r>
-              <a:rPr lang="en-US" altLang="ko-KR" dirty="0">
-                <a:hlinkClick r:id="rId2"/>
-              </a:rPr>
-              <a:t>https://www.csie.ntu.edu.tw/~cjlin/liblinear</a:t>
-            </a:r>
-            <a:r>
-              <a:rPr lang="en-US" altLang="ko-KR" dirty="0" smtClean="0">
-                <a:hlinkClick r:id="rId2"/>
-              </a:rPr>
-              <a:t>/</a:t>
-            </a:r>
-            <a:endParaRPr lang="en-US" altLang="ko-KR" dirty="0" smtClean="0"/>
-          </a:p>
-          <a:p>
-            <a:pPr lvl="2"/>
-            <a:r>
-              <a:rPr lang="en-US" altLang="ko-KR" dirty="0" smtClean="0"/>
-              <a:t>SAG </a:t>
-            </a:r>
-            <a:r>
-              <a:rPr lang="en-US" altLang="ko-KR" dirty="0"/>
-              <a:t>– Mark Schmidt, Nicolas Le Roux, and Francis </a:t>
-            </a:r>
-            <a:r>
-              <a:rPr lang="en-US" altLang="ko-KR" dirty="0" err="1"/>
-              <a:t>BachMinimizing</a:t>
-            </a:r>
-            <a:r>
-              <a:rPr lang="en-US" altLang="ko-KR" dirty="0"/>
-              <a:t> Finite Sums with the Stochastic Average Gradient </a:t>
-            </a:r>
-            <a:r>
-              <a:rPr lang="en-US" altLang="ko-KR" dirty="0">
-                <a:hlinkClick r:id="rId3"/>
-              </a:rPr>
-              <a:t>https://</a:t>
-            </a:r>
-            <a:r>
-              <a:rPr lang="en-US" altLang="ko-KR" dirty="0" smtClean="0">
-                <a:hlinkClick r:id="rId3"/>
-              </a:rPr>
-              <a:t>hal.inria.fr/hal-00860051/document</a:t>
-            </a:r>
-            <a:endParaRPr lang="en-US" altLang="ko-KR" dirty="0" smtClean="0"/>
-          </a:p>
-          <a:p>
-            <a:pPr lvl="2"/>
-            <a:r>
-              <a:rPr lang="en-US" altLang="ko-KR" dirty="0" smtClean="0"/>
-              <a:t>SAGA </a:t>
-            </a:r>
-            <a:r>
-              <a:rPr lang="en-US" altLang="ko-KR" dirty="0"/>
-              <a:t>– </a:t>
-            </a:r>
-            <a:r>
-              <a:rPr lang="en-US" altLang="ko-KR" dirty="0" err="1"/>
-              <a:t>Defazio</a:t>
-            </a:r>
-            <a:r>
-              <a:rPr lang="en-US" altLang="ko-KR" dirty="0"/>
-              <a:t>, A., Bach F. &amp; Lacoste-</a:t>
-            </a:r>
-            <a:r>
-              <a:rPr lang="en-US" altLang="ko-KR" dirty="0" err="1"/>
-              <a:t>Julien</a:t>
-            </a:r>
-            <a:r>
-              <a:rPr lang="en-US" altLang="ko-KR" dirty="0"/>
-              <a:t> S. (2014).SAGA: A Fast Incremental Gradient Method With Support for Non-Strongly Convex Composite Objectives </a:t>
-            </a:r>
-            <a:r>
-              <a:rPr lang="en-US" altLang="ko-KR" dirty="0">
-                <a:hlinkClick r:id="rId4"/>
-              </a:rPr>
-              <a:t>https://</a:t>
-            </a:r>
-            <a:r>
-              <a:rPr lang="en-US" altLang="ko-KR" dirty="0" smtClean="0">
-                <a:hlinkClick r:id="rId4"/>
-              </a:rPr>
-              <a:t>arxiv.org/abs/1407.0202</a:t>
-            </a:r>
-            <a:endParaRPr lang="en-US" altLang="ko-KR" dirty="0" smtClean="0"/>
-          </a:p>
-          <a:p>
-            <a:pPr lvl="2"/>
-            <a:r>
-              <a:rPr lang="en-US" altLang="ko-KR" dirty="0" smtClean="0"/>
-              <a:t>Hsiang-Fu </a:t>
-            </a:r>
-            <a:r>
-              <a:rPr lang="en-US" altLang="ko-KR" dirty="0"/>
-              <a:t>Yu, Fang-</a:t>
-            </a:r>
-            <a:r>
-              <a:rPr lang="en-US" altLang="ko-KR" dirty="0" err="1"/>
-              <a:t>Lan</a:t>
-            </a:r>
-            <a:r>
-              <a:rPr lang="en-US" altLang="ko-KR" dirty="0"/>
-              <a:t> Huang, </a:t>
-            </a:r>
-            <a:r>
-              <a:rPr lang="en-US" altLang="ko-KR" dirty="0" err="1"/>
-              <a:t>Chih</a:t>
-            </a:r>
-            <a:r>
-              <a:rPr lang="en-US" altLang="ko-KR" dirty="0"/>
-              <a:t>-Jen Lin (2011). Dual coordinate </a:t>
-            </a:r>
-            <a:r>
-              <a:rPr lang="en-US" altLang="ko-KR" dirty="0" err="1"/>
-              <a:t>descentmethods</a:t>
-            </a:r>
-            <a:r>
-              <a:rPr lang="en-US" altLang="ko-KR" dirty="0"/>
-              <a:t> for logistic regression and maximum entropy models. Machine Learning 85(1-2):</a:t>
-            </a:r>
-            <a:r>
-              <a:rPr lang="en-US" altLang="ko-KR" dirty="0" smtClean="0"/>
-              <a:t>41-75. </a:t>
-            </a:r>
-            <a:r>
-              <a:rPr lang="en-US" altLang="ko-KR" dirty="0" smtClean="0">
-                <a:hlinkClick r:id="rId5"/>
-              </a:rPr>
-              <a:t>https</a:t>
-            </a:r>
-            <a:r>
-              <a:rPr lang="en-US" altLang="ko-KR" dirty="0">
-                <a:hlinkClick r:id="rId5"/>
-              </a:rPr>
-              <a:t>://www.csie.ntu.edu.tw/~cjlin/papers/maxent_dual.pdf</a:t>
+              <a:t>Auto: select mode by data</a:t>
             </a:r>
             <a:endParaRPr lang="ko-KR" altLang="en-US" dirty="0"/>
           </a:p>
@@ -6219,7 +7175,7 @@
     </p:spTree>
     <p:extLst>
       <p:ext uri="{BB962C8B-B14F-4D97-AF65-F5344CB8AC3E}">
-        <p14:creationId xmlns:p14="http://schemas.microsoft.com/office/powerpoint/2010/main" val="3510906983"/>
+        <p14:creationId xmlns:p14="http://schemas.microsoft.com/office/powerpoint/2010/main" val="362375349"/>
       </p:ext>
     </p:extLst>
   </p:cSld>
@@ -6261,19 +7217,7 @@
           <a:bodyPr/>
           <a:lstStyle/>
           <a:p>
-            <a:r>
-              <a:rPr lang="en-US" altLang="ko-KR" dirty="0" smtClean="0"/>
-              <a:t>By </a:t>
-            </a:r>
-            <a:r>
-              <a:rPr lang="en-US" altLang="ko-KR" dirty="0" err="1" smtClean="0"/>
-              <a:t>scikit</a:t>
-            </a:r>
-            <a:r>
-              <a:rPr lang="en-US" altLang="ko-KR" dirty="0" smtClean="0"/>
-              <a:t>-learn</a:t>
-            </a:r>
-            <a:endParaRPr lang="ko-KR" altLang="en-US" dirty="0"/>
+            <a:endParaRPr lang="ko-KR" altLang="en-US"/>
           </a:p>
         </p:txBody>
       </p:sp>
@@ -6289,185 +7233,70 @@
         </p:nvSpPr>
         <p:spPr/>
         <p:txBody>
-          <a:bodyPr>
-            <a:normAutofit fontScale="85000" lnSpcReduction="10000"/>
-          </a:bodyPr>
+          <a:bodyPr/>
           <a:lstStyle/>
           <a:p>
             <a:r>
-              <a:rPr lang="en-US" altLang="ko-KR" b="0" i="1" dirty="0"/>
-              <a:t>class </a:t>
-            </a:r>
-            <a:r>
-              <a:rPr lang="en-US" altLang="ko-KR" dirty="0" err="1"/>
-              <a:t>sklearn.linear_model.LogisticRegression</a:t>
-            </a:r>
-            <a:r>
-              <a:rPr lang="en-US" altLang="ko-KR" sz="1800" b="0" dirty="0"/>
-              <a:t>(</a:t>
-            </a:r>
-            <a:r>
-              <a:rPr lang="en-US" altLang="ko-KR" sz="1800" b="0" i="1" dirty="0"/>
-              <a:t>penalty=’l2’</a:t>
-            </a:r>
-            <a:r>
-              <a:rPr lang="en-US" altLang="ko-KR" sz="1800" b="0" dirty="0"/>
-              <a:t>, </a:t>
-            </a:r>
-            <a:r>
-              <a:rPr lang="en-US" altLang="ko-KR" sz="1800" b="0" i="1" dirty="0"/>
-              <a:t>dual=False</a:t>
-            </a:r>
-            <a:r>
-              <a:rPr lang="en-US" altLang="ko-KR" sz="1800" b="0" dirty="0"/>
-              <a:t>, </a:t>
-            </a:r>
-            <a:r>
-              <a:rPr lang="en-US" altLang="ko-KR" sz="1800" b="0" i="1" dirty="0" err="1"/>
-              <a:t>tol</a:t>
-            </a:r>
-            <a:r>
-              <a:rPr lang="en-US" altLang="ko-KR" sz="1800" b="0" i="1" dirty="0"/>
-              <a:t>=0.0001</a:t>
-            </a:r>
-            <a:r>
-              <a:rPr lang="en-US" altLang="ko-KR" sz="1800" b="0" dirty="0"/>
-              <a:t>, </a:t>
-            </a:r>
-            <a:r>
-              <a:rPr lang="en-US" altLang="ko-KR" sz="1800" b="0" i="1" dirty="0"/>
-              <a:t>C=1.0</a:t>
-            </a:r>
-            <a:r>
-              <a:rPr lang="en-US" altLang="ko-KR" sz="1800" b="0" dirty="0"/>
-              <a:t>, </a:t>
-            </a:r>
-            <a:r>
-              <a:rPr lang="en-US" altLang="ko-KR" sz="1800" b="0" i="1" dirty="0" err="1"/>
-              <a:t>fit_intercept</a:t>
-            </a:r>
-            <a:r>
-              <a:rPr lang="en-US" altLang="ko-KR" sz="1800" b="0" i="1" dirty="0"/>
-              <a:t>=True</a:t>
-            </a:r>
-            <a:r>
-              <a:rPr lang="en-US" altLang="ko-KR" sz="1800" b="0" dirty="0"/>
-              <a:t>, </a:t>
-            </a:r>
-            <a:r>
-              <a:rPr lang="en-US" altLang="ko-KR" sz="1800" b="0" i="1" dirty="0" err="1"/>
-              <a:t>intercept_scaling</a:t>
-            </a:r>
-            <a:r>
-              <a:rPr lang="en-US" altLang="ko-KR" sz="1800" b="0" i="1" dirty="0"/>
-              <a:t>=1</a:t>
-            </a:r>
-            <a:r>
-              <a:rPr lang="en-US" altLang="ko-KR" sz="1800" b="0" dirty="0"/>
-              <a:t>, </a:t>
-            </a:r>
-            <a:r>
-              <a:rPr lang="en-US" altLang="ko-KR" sz="1800" b="0" i="1" dirty="0" err="1"/>
-              <a:t>class_weight</a:t>
-            </a:r>
-            <a:r>
-              <a:rPr lang="en-US" altLang="ko-KR" sz="1800" b="0" i="1" dirty="0"/>
-              <a:t>=None</a:t>
-            </a:r>
-            <a:r>
-              <a:rPr lang="en-US" altLang="ko-KR" sz="1800" b="0" dirty="0"/>
-              <a:t>, </a:t>
-            </a:r>
-            <a:r>
-              <a:rPr lang="en-US" altLang="ko-KR" sz="1800" b="0" i="1" dirty="0" err="1"/>
-              <a:t>random_state</a:t>
-            </a:r>
-            <a:r>
-              <a:rPr lang="en-US" altLang="ko-KR" sz="1800" b="0" i="1" dirty="0"/>
-              <a:t>=None</a:t>
-            </a:r>
-            <a:r>
-              <a:rPr lang="en-US" altLang="ko-KR" sz="1800" b="0" dirty="0"/>
-              <a:t>, </a:t>
-            </a:r>
-            <a:r>
-              <a:rPr lang="en-US" altLang="ko-KR" sz="1800" b="0" i="1" dirty="0"/>
-              <a:t>solver=’warn’</a:t>
-            </a:r>
-            <a:r>
-              <a:rPr lang="en-US" altLang="ko-KR" sz="1800" b="0" dirty="0"/>
-              <a:t>, </a:t>
-            </a:r>
-            <a:r>
-              <a:rPr lang="en-US" altLang="ko-KR" sz="1800" b="0" i="1" dirty="0" err="1"/>
-              <a:t>max_iter</a:t>
-            </a:r>
-            <a:r>
-              <a:rPr lang="en-US" altLang="ko-KR" sz="1800" b="0" i="1" dirty="0"/>
-              <a:t>=100</a:t>
-            </a:r>
-            <a:r>
-              <a:rPr lang="en-US" altLang="ko-KR" sz="1800" b="0" dirty="0"/>
-              <a:t>, </a:t>
-            </a:r>
-            <a:r>
-              <a:rPr lang="en-US" altLang="ko-KR" sz="1800" b="0" i="1" dirty="0" err="1"/>
-              <a:t>multi_class</a:t>
-            </a:r>
-            <a:r>
-              <a:rPr lang="en-US" altLang="ko-KR" sz="1800" b="0" i="1" dirty="0"/>
-              <a:t>=’warn’</a:t>
-            </a:r>
-            <a:r>
-              <a:rPr lang="en-US" altLang="ko-KR" sz="1800" b="0" dirty="0"/>
-              <a:t>, </a:t>
-            </a:r>
-            <a:r>
-              <a:rPr lang="en-US" altLang="ko-KR" sz="1800" b="0" i="1" dirty="0"/>
-              <a:t>verbose=0</a:t>
-            </a:r>
-            <a:r>
-              <a:rPr lang="en-US" altLang="ko-KR" sz="1800" b="0" dirty="0"/>
-              <a:t>, </a:t>
-            </a:r>
-            <a:r>
-              <a:rPr lang="en-US" altLang="ko-KR" sz="1800" b="0" i="1" dirty="0" err="1"/>
-              <a:t>warm_start</a:t>
-            </a:r>
-            <a:r>
-              <a:rPr lang="en-US" altLang="ko-KR" sz="1800" b="0" i="1" dirty="0"/>
-              <a:t>=False</a:t>
-            </a:r>
-            <a:r>
-              <a:rPr lang="en-US" altLang="ko-KR" sz="1800" b="0" dirty="0"/>
-              <a:t>, </a:t>
-            </a:r>
-            <a:r>
-              <a:rPr lang="en-US" altLang="ko-KR" sz="1800" b="0" i="1" dirty="0" err="1"/>
-              <a:t>n_jobs</a:t>
-            </a:r>
-            <a:r>
-              <a:rPr lang="en-US" altLang="ko-KR" sz="1800" b="0" i="1" dirty="0"/>
-              <a:t>=None</a:t>
-            </a:r>
-            <a:r>
-              <a:rPr lang="en-US" altLang="ko-KR" b="0" dirty="0" smtClean="0"/>
-              <a:t>)</a:t>
+              <a:rPr lang="en-US" altLang="ko-KR" dirty="0" smtClean="0"/>
+              <a:t>Attributes</a:t>
             </a:r>
           </a:p>
           <a:p>
             <a:pPr lvl="1"/>
             <a:r>
-              <a:rPr lang="en-US" altLang="ko-KR" dirty="0" err="1"/>
-              <a:t>random_state</a:t>
+              <a:rPr lang="en-US" altLang="ko-KR" b="1" dirty="0"/>
+              <a:t>classes_</a:t>
             </a:r>
             <a:r>
               <a:rPr lang="en-US" altLang="ko-KR" dirty="0"/>
               <a:t> : </a:t>
             </a:r>
             <a:r>
+              <a:rPr lang="en-US" altLang="ko-KR" i="1" dirty="0"/>
+              <a:t>array, shape (</a:t>
+            </a:r>
+            <a:r>
               <a:rPr lang="en-US" altLang="ko-KR" i="1" dirty="0" err="1"/>
-              <a:t>int</a:t>
+              <a:t>n_classes</a:t>
+            </a:r>
+            <a:r>
+              <a:rPr lang="en-US" altLang="ko-KR" i="1" dirty="0"/>
+              <a:t>, )</a:t>
+            </a:r>
+            <a:r>
+              <a:rPr lang="en-US" altLang="ko-KR" dirty="0"/>
+              <a:t>A list of class labels known to the classifier.</a:t>
+            </a:r>
+          </a:p>
+          <a:p>
+            <a:pPr lvl="1"/>
+            <a:r>
+              <a:rPr lang="en-US" altLang="ko-KR" b="1" dirty="0" err="1"/>
+              <a:t>coef</a:t>
+            </a:r>
+            <a:r>
+              <a:rPr lang="en-US" altLang="ko-KR" b="1" dirty="0"/>
+              <a:t>_</a:t>
+            </a:r>
+            <a:r>
+              <a:rPr lang="en-US" altLang="ko-KR" dirty="0"/>
+              <a:t> : </a:t>
+            </a:r>
+            <a:r>
+              <a:rPr lang="en-US" altLang="ko-KR" i="1" dirty="0"/>
+              <a:t>array, shape (1, </a:t>
+            </a:r>
+            <a:r>
+              <a:rPr lang="en-US" altLang="ko-KR" i="1" dirty="0" err="1"/>
+              <a:t>n_features</a:t>
+            </a:r>
+            <a:r>
+              <a:rPr lang="en-US" altLang="ko-KR" i="1" dirty="0"/>
+              <a:t>) or (</a:t>
+            </a:r>
+            <a:r>
+              <a:rPr lang="en-US" altLang="ko-KR" i="1" dirty="0" err="1"/>
+              <a:t>n_classes</a:t>
             </a:r>
             <a:r>
               <a:rPr lang="en-US" altLang="ko-KR" i="1" dirty="0"/>
@@ -6475,297 +7304,109 @@
             </a:r>
             <a:r>
               <a:rPr lang="en-US" altLang="ko-KR" i="1" dirty="0" err="1"/>
-              <a:t>RandomState</a:t>
+              <a:t>n_features</a:t>
             </a:r>
             <a:r>
               <a:rPr lang="en-US" altLang="ko-KR" i="1" dirty="0"/>
-              <a:t> instance or None, optional, default: </a:t>
-            </a:r>
-            <a:r>
-              <a:rPr lang="en-US" altLang="ko-KR" i="1" dirty="0" smtClean="0"/>
-              <a:t>None</a:t>
-            </a:r>
-          </a:p>
-          <a:p>
-            <a:pPr lvl="2"/>
+              <a:t>)</a:t>
+            </a:r>
             <a:r>
               <a:rPr lang="en-US" altLang="ko-KR" dirty="0"/>
-              <a:t>The seed of the pseudo random number generator to use when shuffling the data. </a:t>
+              <a:t>Coefficient of the features in the decision function.</a:t>
+            </a:r>
+          </a:p>
+          <a:p>
+            <a:pPr lvl="1"/>
+            <a:r>
+              <a:rPr lang="en-US" altLang="ko-KR" b="1" dirty="0"/>
+              <a:t>intercept_</a:t>
             </a:r>
             <a:r>
               <a:rPr lang="en-US" altLang="ko-KR" dirty="0"/>
-              <a:t>Used when solver == ‘sag’ or ‘</a:t>
+              <a:t> : </a:t>
+            </a:r>
+            <a:r>
+              <a:rPr lang="en-US" altLang="ko-KR" i="1" dirty="0"/>
+              <a:t>array, shape (1,) or (</a:t>
+            </a:r>
+            <a:r>
+              <a:rPr lang="en-US" altLang="ko-KR" i="1" dirty="0" err="1"/>
+              <a:t>n_classes</a:t>
+            </a:r>
+            <a:r>
+              <a:rPr lang="en-US" altLang="ko-KR" i="1" dirty="0"/>
+              <a:t>,)</a:t>
+            </a:r>
+            <a:r>
+              <a:rPr lang="en-US" altLang="ko-KR" dirty="0"/>
+              <a:t>Intercept (a.k.a. bias) added to the decision function</a:t>
+            </a:r>
+            <a:r>
+              <a:rPr lang="en-US" altLang="ko-KR" dirty="0" smtClean="0"/>
+              <a:t>.</a:t>
+            </a:r>
+          </a:p>
+          <a:p>
+            <a:r>
+              <a:rPr lang="en-US" altLang="ko-KR" dirty="0" smtClean="0"/>
+              <a:t>Methods</a:t>
+            </a:r>
+          </a:p>
+          <a:p>
+            <a:pPr lvl="1"/>
+            <a:r>
+              <a:rPr lang="en-US" altLang="ko-KR" dirty="0"/>
+              <a:t>fit(X, y[, </a:t>
             </a:r>
             <a:r>
               <a:rPr lang="en-US" altLang="ko-KR" dirty="0" err="1"/>
-              <a:t>liblinear</a:t>
+              <a:t>sample_weight</a:t>
+            </a:r>
+            <a:r>
+              <a:rPr lang="en-US" altLang="ko-KR" dirty="0" smtClean="0"/>
+              <a:t>]): Fit </a:t>
             </a:r>
             <a:r>
               <a:rPr lang="en-US" altLang="ko-KR" dirty="0"/>
-              <a:t>’.</a:t>
+              <a:t>the model according to the given training data.</a:t>
+            </a:r>
+          </a:p>
+          <a:p>
+            <a:pPr lvl="1"/>
+            <a:r>
+              <a:rPr lang="en-US" altLang="ko-KR" dirty="0"/>
+              <a:t>predict(X)	Predict class labels for samples in </a:t>
+            </a:r>
+            <a:r>
+              <a:rPr lang="en-US" altLang="ko-KR" dirty="0" smtClean="0"/>
+              <a:t>X</a:t>
+            </a:r>
+          </a:p>
+          <a:p>
+            <a:pPr lvl="1"/>
+            <a:r>
+              <a:rPr lang="en-US" altLang="ko-KR" dirty="0" err="1"/>
+              <a:t>predict_proba</a:t>
+            </a:r>
+            <a:r>
+              <a:rPr lang="en-US" altLang="ko-KR" dirty="0"/>
+              <a:t>(X)	 The returned estimates for all classes are ordered by the label of classes.</a:t>
             </a:r>
             <a:endParaRPr lang="en-US" altLang="ko-KR" dirty="0" smtClean="0"/>
           </a:p>
           <a:p>
-            <a:pPr lvl="3"/>
-            <a:r>
-              <a:rPr lang="en-US" altLang="ko-KR" dirty="0" smtClean="0"/>
-              <a:t>If </a:t>
+            <a:pPr lvl="1"/>
+            <a:r>
+              <a:rPr lang="en-US" altLang="ko-KR" dirty="0"/>
+              <a:t>score(X, y[, </a:t>
             </a:r>
             <a:r>
               <a:rPr lang="en-US" altLang="ko-KR" dirty="0" err="1"/>
-              <a:t>int</a:t>
+              <a:t>sample_weight</a:t>
             </a:r>
             <a:r>
               <a:rPr lang="en-US" altLang="ko-KR" dirty="0"/>
-              <a:t>, </a:t>
-            </a:r>
-            <a:r>
-              <a:rPr lang="en-US" altLang="ko-KR" dirty="0" err="1"/>
-              <a:t>random_state</a:t>
-            </a:r>
-            <a:r>
-              <a:rPr lang="en-US" altLang="ko-KR" dirty="0"/>
-              <a:t> is the seed used by the random number generator; </a:t>
-            </a:r>
-            <a:endParaRPr lang="en-US" altLang="ko-KR" dirty="0" smtClean="0"/>
-          </a:p>
-          <a:p>
-            <a:pPr lvl="3"/>
-            <a:r>
-              <a:rPr lang="en-US" altLang="ko-KR" dirty="0" smtClean="0"/>
-              <a:t>If </a:t>
-            </a:r>
-            <a:r>
-              <a:rPr lang="en-US" altLang="ko-KR" dirty="0" err="1"/>
-              <a:t>RandomState</a:t>
-            </a:r>
-            <a:r>
-              <a:rPr lang="en-US" altLang="ko-KR" dirty="0"/>
-              <a:t> instance, </a:t>
-            </a:r>
-            <a:r>
-              <a:rPr lang="en-US" altLang="ko-KR" dirty="0" err="1"/>
-              <a:t>random_state</a:t>
-            </a:r>
-            <a:r>
-              <a:rPr lang="en-US" altLang="ko-KR" dirty="0"/>
-              <a:t> is the random number generator; </a:t>
-            </a:r>
-            <a:endParaRPr lang="en-US" altLang="ko-KR" dirty="0" smtClean="0"/>
-          </a:p>
-          <a:p>
-            <a:pPr lvl="3"/>
-            <a:r>
-              <a:rPr lang="en-US" altLang="ko-KR" dirty="0" smtClean="0"/>
-              <a:t>If </a:t>
-            </a:r>
-            <a:r>
-              <a:rPr lang="en-US" altLang="ko-KR" dirty="0"/>
-              <a:t>None, the random number generator is the </a:t>
-            </a:r>
-            <a:r>
-              <a:rPr lang="en-US" altLang="ko-KR" dirty="0" err="1"/>
-              <a:t>RandomState</a:t>
-            </a:r>
-            <a:r>
-              <a:rPr lang="en-US" altLang="ko-KR" dirty="0"/>
-              <a:t> instance used by </a:t>
-            </a:r>
-            <a:r>
-              <a:rPr lang="en-US" altLang="ko-KR" dirty="0" err="1"/>
-              <a:t>np.random</a:t>
-            </a:r>
-            <a:r>
-              <a:rPr lang="en-US" altLang="ko-KR" dirty="0"/>
-              <a:t>. </a:t>
-            </a:r>
-            <a:endParaRPr lang="en-US" altLang="ko-KR" dirty="0" smtClean="0"/>
-          </a:p>
-          <a:p>
-            <a:pPr lvl="1"/>
-            <a:r>
-              <a:rPr lang="en-US" altLang="ko-KR" dirty="0"/>
-              <a:t>solver : </a:t>
-            </a:r>
-            <a:r>
-              <a:rPr lang="en-US" altLang="ko-KR" i="1" dirty="0" err="1"/>
-              <a:t>str</a:t>
-            </a:r>
-            <a:r>
-              <a:rPr lang="en-US" altLang="ko-KR" i="1" dirty="0"/>
-              <a:t>, {‘newton-cg’, ‘</a:t>
-            </a:r>
-            <a:r>
-              <a:rPr lang="en-US" altLang="ko-KR" i="1" dirty="0" err="1"/>
-              <a:t>lbfgs</a:t>
-            </a:r>
-            <a:r>
-              <a:rPr lang="en-US" altLang="ko-KR" i="1" dirty="0"/>
-              <a:t>’, ‘</a:t>
-            </a:r>
-            <a:r>
-              <a:rPr lang="en-US" altLang="ko-KR" i="1" dirty="0" err="1"/>
-              <a:t>liblinear</a:t>
-            </a:r>
-            <a:r>
-              <a:rPr lang="en-US" altLang="ko-KR" i="1" dirty="0"/>
-              <a:t>’, ‘sag’, ‘saga’}, default: ‘</a:t>
-            </a:r>
-            <a:r>
-              <a:rPr lang="en-US" altLang="ko-KR" i="1" dirty="0" err="1"/>
-              <a:t>liblinear</a:t>
-            </a:r>
-            <a:r>
-              <a:rPr lang="en-US" altLang="ko-KR" i="1" dirty="0" smtClean="0"/>
-              <a:t>’.</a:t>
-            </a:r>
-          </a:p>
-          <a:p>
-            <a:pPr lvl="2"/>
-            <a:r>
-              <a:rPr lang="en-US" altLang="ko-KR" dirty="0"/>
-              <a:t>Algorithm to use in the optimization </a:t>
-            </a:r>
-            <a:r>
-              <a:rPr lang="en-US" altLang="ko-KR" dirty="0" smtClean="0"/>
-              <a:t>problem</a:t>
-            </a:r>
-          </a:p>
-          <a:p>
-            <a:pPr lvl="3"/>
-            <a:r>
-              <a:rPr lang="en-US" altLang="ko-KR" b="0" dirty="0"/>
-              <a:t>For small datasets, ‘</a:t>
-            </a:r>
-            <a:r>
-              <a:rPr lang="en-US" altLang="ko-KR" b="0" dirty="0" err="1"/>
-              <a:t>liblinear</a:t>
-            </a:r>
-            <a:r>
-              <a:rPr lang="en-US" altLang="ko-KR" b="0" dirty="0"/>
-              <a:t>’ is a good choice, whereas ‘sag’ and ‘saga’ are faster for large ones.</a:t>
-            </a:r>
-          </a:p>
-          <a:p>
-            <a:pPr lvl="3"/>
-            <a:r>
-              <a:rPr lang="en-US" altLang="ko-KR" b="0" dirty="0"/>
-              <a:t>For multiclass problems, only ‘newton-cg’, ‘sag’, ‘saga’ and ‘</a:t>
-            </a:r>
-            <a:r>
-              <a:rPr lang="en-US" altLang="ko-KR" b="0" dirty="0" err="1"/>
-              <a:t>lbfgs</a:t>
-            </a:r>
-            <a:r>
-              <a:rPr lang="en-US" altLang="ko-KR" b="0" dirty="0"/>
-              <a:t>’ handle multinomial loss; ‘</a:t>
-            </a:r>
-            <a:r>
-              <a:rPr lang="en-US" altLang="ko-KR" b="0" dirty="0" err="1"/>
-              <a:t>liblinear</a:t>
-            </a:r>
-            <a:r>
-              <a:rPr lang="en-US" altLang="ko-KR" b="0" dirty="0"/>
-              <a:t>’ is limited to one-versus-rest schemes.</a:t>
-            </a:r>
-          </a:p>
-          <a:p>
-            <a:pPr lvl="1"/>
-            <a:r>
-              <a:rPr lang="en-US" altLang="ko-KR" b="1" dirty="0" err="1"/>
-              <a:t>multi_class</a:t>
-            </a:r>
-            <a:r>
-              <a:rPr lang="en-US" altLang="ko-KR" b="1" dirty="0"/>
-              <a:t> : </a:t>
-            </a:r>
-            <a:r>
-              <a:rPr lang="en-US" altLang="ko-KR" b="1" i="1" dirty="0" err="1"/>
-              <a:t>str</a:t>
-            </a:r>
-            <a:r>
-              <a:rPr lang="en-US" altLang="ko-KR" b="1" i="1" dirty="0"/>
-              <a:t>, {‘</a:t>
-            </a:r>
-            <a:r>
-              <a:rPr lang="en-US" altLang="ko-KR" b="1" i="1" dirty="0" err="1"/>
-              <a:t>ovr</a:t>
-            </a:r>
-            <a:r>
-              <a:rPr lang="en-US" altLang="ko-KR" b="1" i="1" dirty="0"/>
-              <a:t>’, ‘multinomial’, ‘auto’}, default: ‘</a:t>
-            </a:r>
-            <a:r>
-              <a:rPr lang="en-US" altLang="ko-KR" b="1" i="1" dirty="0" err="1"/>
-              <a:t>ovr</a:t>
-            </a:r>
-            <a:r>
-              <a:rPr lang="en-US" altLang="ko-KR" b="1" i="1" dirty="0" smtClean="0"/>
-              <a:t>’</a:t>
-            </a:r>
-          </a:p>
-          <a:p>
-            <a:pPr lvl="2"/>
-            <a:r>
-              <a:rPr lang="en-US" altLang="ko-KR" dirty="0" smtClean="0"/>
-              <a:t>‘</a:t>
-            </a:r>
-            <a:r>
-              <a:rPr lang="en-US" altLang="ko-KR" dirty="0" err="1"/>
-              <a:t>ovr</a:t>
-            </a:r>
-            <a:r>
-              <a:rPr lang="en-US" altLang="ko-KR" dirty="0" smtClean="0"/>
-              <a:t>’ (</a:t>
-            </a:r>
-            <a:r>
-              <a:rPr lang="en-US" altLang="ko-KR" dirty="0"/>
-              <a:t>one vs. </a:t>
-            </a:r>
-            <a:r>
-              <a:rPr lang="en-US" altLang="ko-KR" dirty="0" smtClean="0"/>
-              <a:t>rest):  </a:t>
-            </a:r>
-            <a:r>
-              <a:rPr lang="en-US" altLang="ko-KR" dirty="0"/>
-              <a:t>a binary problem is fit for each label. </a:t>
-            </a:r>
-            <a:endParaRPr lang="en-US" altLang="ko-KR" dirty="0" smtClean="0"/>
-          </a:p>
-          <a:p>
-            <a:pPr lvl="2"/>
-            <a:r>
-              <a:rPr lang="en-US" altLang="ko-KR" i="1" dirty="0" smtClean="0"/>
-              <a:t>‘multinomial’: </a:t>
-            </a:r>
-            <a:r>
-              <a:rPr lang="en-US" altLang="ko-KR" dirty="0"/>
-              <a:t> </a:t>
-            </a:r>
-            <a:r>
-              <a:rPr lang="en-US" altLang="ko-KR" dirty="0" smtClean="0"/>
-              <a:t>multiple classification, it is unavailable </a:t>
-            </a:r>
-            <a:r>
-              <a:rPr lang="en-US" altLang="ko-KR" dirty="0"/>
-              <a:t>when solver=’</a:t>
-            </a:r>
-            <a:r>
-              <a:rPr lang="en-US" altLang="ko-KR" dirty="0" err="1"/>
-              <a:t>liblinear</a:t>
-            </a:r>
-            <a:r>
-              <a:rPr lang="en-US" altLang="ko-KR" dirty="0"/>
-              <a:t>’. </a:t>
-            </a:r>
-            <a:endParaRPr lang="en-US" altLang="ko-KR" dirty="0" smtClean="0"/>
-          </a:p>
-          <a:p>
-            <a:pPr lvl="2"/>
-            <a:r>
-              <a:rPr lang="en-US" altLang="ko-KR" dirty="0" smtClean="0"/>
-              <a:t>Auto: select mode by data</a:t>
+              <a:t>])	Returns the mean accuracy on the given test data and labels.</a:t>
             </a:r>
             <a:endParaRPr lang="ko-KR" altLang="en-US" dirty="0"/>
           </a:p>
@@ -6774,7 +7415,7 @@
     </p:spTree>
     <p:extLst>
       <p:ext uri="{BB962C8B-B14F-4D97-AF65-F5344CB8AC3E}">
-        <p14:creationId xmlns:p14="http://schemas.microsoft.com/office/powerpoint/2010/main" val="362375349"/>
+        <p14:creationId xmlns:p14="http://schemas.microsoft.com/office/powerpoint/2010/main" val="3087185966"/>
       </p:ext>
     </p:extLst>
   </p:cSld>
@@ -6816,7 +7457,15 @@
           <a:bodyPr/>
           <a:lstStyle/>
           <a:p>
-            <a:endParaRPr lang="ko-KR" altLang="en-US"/>
+            <a:r>
+              <a:rPr lang="en-US" altLang="ko-KR" dirty="0" smtClean="0"/>
+              <a:t>16.4 </a:t>
+            </a:r>
+            <a:r>
+              <a:rPr lang="ko-KR" altLang="en-US" dirty="0" smtClean="0"/>
+              <a:t>적합성</a:t>
+            </a:r>
+            <a:endParaRPr lang="ko-KR" altLang="en-US" dirty="0"/>
           </a:p>
         </p:txBody>
       </p:sp>
@@ -6830,194 +7479,478 @@
             <p:ph idx="1"/>
           </p:nvPr>
         </p:nvSpPr>
-        <p:spPr/>
+        <p:spPr>
+          <a:xfrm>
+            <a:off x="441354" y="1031875"/>
+            <a:ext cx="8274050" cy="1605038"/>
+          </a:xfrm>
+        </p:spPr>
         <p:txBody>
           <a:bodyPr/>
           <a:lstStyle/>
           <a:p>
             <a:r>
-              <a:rPr lang="en-US" altLang="ko-KR" dirty="0" smtClean="0"/>
-              <a:t>Attributes</a:t>
+              <a:rPr lang="ko-KR" altLang="en-US" sz="2000" dirty="0"/>
+              <a:t>정밀도</a:t>
+            </a:r>
+            <a:r>
+              <a:rPr lang="en-US" altLang="ko-KR" sz="2000" dirty="0"/>
+              <a:t>(Precision, Positive Predictive Value)</a:t>
             </a:r>
           </a:p>
           <a:p>
             <a:pPr lvl="1"/>
             <a:r>
-              <a:rPr lang="en-US" altLang="ko-KR" b="1" dirty="0"/>
-              <a:t>classes_</a:t>
-            </a:r>
-            <a:r>
-              <a:rPr lang="en-US" altLang="ko-KR" dirty="0"/>
-              <a:t> : </a:t>
-            </a:r>
-            <a:r>
-              <a:rPr lang="en-US" altLang="ko-KR" i="1" dirty="0"/>
-              <a:t>array, shape (</a:t>
-            </a:r>
-            <a:r>
-              <a:rPr lang="en-US" altLang="ko-KR" i="1" dirty="0" err="1"/>
-              <a:t>n_classes</a:t>
-            </a:r>
-            <a:r>
-              <a:rPr lang="en-US" altLang="ko-KR" i="1" dirty="0"/>
-              <a:t>, )</a:t>
-            </a:r>
-            <a:r>
-              <a:rPr lang="en-US" altLang="ko-KR" dirty="0"/>
-              <a:t>A list of class labels known to the classifier.</a:t>
+              <a:rPr lang="en-US" altLang="ko-KR" sz="1800" dirty="0"/>
+              <a:t>True</a:t>
+            </a:r>
+            <a:r>
+              <a:rPr lang="ko-KR" altLang="en-US" sz="1800" dirty="0"/>
+              <a:t>라고 분류한 것 중에서 실제 </a:t>
+            </a:r>
+            <a:r>
+              <a:rPr lang="en-US" altLang="ko-KR" sz="1800" dirty="0"/>
+              <a:t>True</a:t>
+            </a:r>
+            <a:r>
+              <a:rPr lang="ko-KR" altLang="en-US" sz="1800" dirty="0"/>
+              <a:t>인 것의 비율</a:t>
+            </a:r>
+            <a:endParaRPr lang="en-US" altLang="ko-KR" sz="1800" dirty="0"/>
+          </a:p>
+          <a:p>
+            <a:r>
+              <a:rPr lang="ko-KR" altLang="en-US" sz="2200" dirty="0" err="1"/>
+              <a:t>재현율</a:t>
+            </a:r>
+            <a:r>
+              <a:rPr lang="en-US" altLang="ko-KR" sz="2200" dirty="0"/>
+              <a:t>(Recall, Sensitivity, hit rate)</a:t>
             </a:r>
           </a:p>
           <a:p>
             <a:pPr lvl="1"/>
             <a:r>
-              <a:rPr lang="en-US" altLang="ko-KR" b="1" dirty="0" err="1"/>
-              <a:t>coef</a:t>
-            </a:r>
-            <a:r>
-              <a:rPr lang="en-US" altLang="ko-KR" b="1" dirty="0"/>
-              <a:t>_</a:t>
-            </a:r>
-            <a:r>
-              <a:rPr lang="en-US" altLang="ko-KR" dirty="0"/>
-              <a:t> : </a:t>
-            </a:r>
-            <a:r>
-              <a:rPr lang="en-US" altLang="ko-KR" i="1" dirty="0"/>
-              <a:t>array, shape (1, </a:t>
-            </a:r>
-            <a:r>
-              <a:rPr lang="en-US" altLang="ko-KR" i="1" dirty="0" err="1"/>
-              <a:t>n_features</a:t>
-            </a:r>
-            <a:r>
-              <a:rPr lang="en-US" altLang="ko-KR" i="1" dirty="0"/>
-              <a:t>) or (</a:t>
-            </a:r>
-            <a:r>
-              <a:rPr lang="en-US" altLang="ko-KR" i="1" dirty="0" err="1"/>
-              <a:t>n_classes</a:t>
-            </a:r>
-            <a:r>
-              <a:rPr lang="en-US" altLang="ko-KR" i="1" dirty="0"/>
+              <a:rPr lang="ko-KR" altLang="en-US" sz="1800" dirty="0"/>
+              <a:t>실제 </a:t>
+            </a:r>
+            <a:r>
+              <a:rPr lang="en-US" altLang="ko-KR" sz="1800" dirty="0"/>
+              <a:t>True</a:t>
+            </a:r>
+            <a:r>
+              <a:rPr lang="ko-KR" altLang="en-US" sz="1800" dirty="0"/>
+              <a:t>인 것 중에서 모델이 </a:t>
+            </a:r>
+            <a:r>
+              <a:rPr lang="en-US" altLang="ko-KR" sz="1800" dirty="0"/>
+              <a:t>True</a:t>
+            </a:r>
+            <a:r>
+              <a:rPr lang="ko-KR" altLang="en-US" sz="1800" dirty="0"/>
+              <a:t>라고 예측한 것의 비율</a:t>
+            </a:r>
+            <a:endParaRPr lang="en-US" altLang="ko-KR" sz="1800" dirty="0"/>
+          </a:p>
+          <a:p>
+            <a:endParaRPr lang="ko-KR" altLang="en-US" dirty="0"/>
+          </a:p>
+        </p:txBody>
+      </p:sp>
+      <p:pic>
+        <p:nvPicPr>
+          <p:cNvPr id="4" name="Picture 2" descr="https://t1.daumcdn.net/cfile/tistory/99F66B345BE0596109"/>
+          <p:cNvPicPr>
+            <a:picLocks noChangeAspect="1" noChangeArrowheads="1"/>
+          </p:cNvPicPr>
+          <p:nvPr/>
+        </p:nvPicPr>
+        <p:blipFill>
+          <a:blip r:embed="rId2">
+            <a:extLst>
+              <a:ext uri="{28A0092B-C50C-407E-A947-70E740481C1C}">
+                <a14:useLocalDpi xmlns:a14="http://schemas.microsoft.com/office/drawing/2010/main" val="0"/>
+              </a:ext>
+            </a:extLst>
+          </a:blip>
+          <a:srcRect/>
+          <a:stretch>
+            <a:fillRect/>
+          </a:stretch>
+        </p:blipFill>
+        <p:spPr bwMode="auto">
+          <a:xfrm>
+            <a:off x="6787413" y="836712"/>
+            <a:ext cx="1885950" cy="438151"/>
+          </a:xfrm>
+          <a:prstGeom prst="rect">
+            <a:avLst/>
+          </a:prstGeom>
+          <a:noFill/>
+          <a:extLst>
+            <a:ext uri="{909E8E84-426E-40DD-AFC4-6F175D3DCCD1}">
+              <a14:hiddenFill xmlns:a14="http://schemas.microsoft.com/office/drawing/2010/main">
+                <a:solidFill>
+                  <a:srgbClr val="FFFFFF"/>
+                </a:solidFill>
+              </a14:hiddenFill>
+            </a:ext>
+          </a:extLst>
+        </p:spPr>
+      </p:pic>
+      <p:pic>
+        <p:nvPicPr>
+          <p:cNvPr id="5" name="Picture 4" descr="https://t1.daumcdn.net/cfile/tistory/997188435BE05B0628"/>
+          <p:cNvPicPr>
+            <a:picLocks noChangeAspect="1" noChangeArrowheads="1"/>
+          </p:cNvPicPr>
+          <p:nvPr/>
+        </p:nvPicPr>
+        <p:blipFill>
+          <a:blip r:embed="rId3">
+            <a:extLst>
+              <a:ext uri="{28A0092B-C50C-407E-A947-70E740481C1C}">
+                <a14:useLocalDpi xmlns:a14="http://schemas.microsoft.com/office/drawing/2010/main" val="0"/>
+              </a:ext>
+            </a:extLst>
+          </a:blip>
+          <a:srcRect/>
+          <a:stretch>
+            <a:fillRect/>
+          </a:stretch>
+        </p:blipFill>
+        <p:spPr bwMode="auto">
+          <a:xfrm>
+            <a:off x="6987438" y="1484784"/>
+            <a:ext cx="1685925" cy="438151"/>
+          </a:xfrm>
+          <a:prstGeom prst="rect">
+            <a:avLst/>
+          </a:prstGeom>
+          <a:noFill/>
+          <a:extLst>
+            <a:ext uri="{909E8E84-426E-40DD-AFC4-6F175D3DCCD1}">
+              <a14:hiddenFill xmlns:a14="http://schemas.microsoft.com/office/drawing/2010/main">
+                <a:solidFill>
+                  <a:srgbClr val="FFFFFF"/>
+                </a:solidFill>
+              </a14:hiddenFill>
+            </a:ext>
+          </a:extLst>
+        </p:spPr>
+      </p:pic>
+      <p:sp>
+        <p:nvSpPr>
+          <p:cNvPr id="7" name="TextBox 6"/>
+          <p:cNvSpPr txBox="1"/>
+          <p:nvPr/>
+        </p:nvSpPr>
+        <p:spPr>
+          <a:xfrm>
+            <a:off x="827584" y="2719367"/>
+            <a:ext cx="6468759" cy="3877985"/>
+          </a:xfrm>
+          <a:prstGeom prst="rect">
+            <a:avLst/>
+          </a:prstGeom>
+        </p:spPr>
+        <p:style>
+          <a:lnRef idx="2">
+            <a:schemeClr val="dk1"/>
+          </a:lnRef>
+          <a:fillRef idx="1">
+            <a:schemeClr val="lt1"/>
+          </a:fillRef>
+          <a:effectRef idx="0">
+            <a:schemeClr val="dk1"/>
+          </a:effectRef>
+          <a:fontRef idx="minor">
+            <a:schemeClr val="dk1"/>
+          </a:fontRef>
+        </p:style>
+        <p:txBody>
+          <a:bodyPr wrap="none" rtlCol="0">
+            <a:spAutoFit/>
+          </a:bodyPr>
+          <a:lstStyle/>
+          <a:p>
+            <a:r>
+              <a:rPr lang="en-US" altLang="ko-KR" sz="1600" dirty="0"/>
+              <a:t>for </a:t>
+            </a:r>
+            <a:r>
+              <a:rPr lang="en-US" altLang="ko-KR" sz="1600" dirty="0" err="1"/>
+              <a:t>x_i</a:t>
+            </a:r>
+            <a:r>
+              <a:rPr lang="en-US" altLang="ko-KR" sz="1600" dirty="0"/>
               <a:t>, </a:t>
             </a:r>
             <a:r>
-              <a:rPr lang="en-US" altLang="ko-KR" i="1" dirty="0" err="1"/>
-              <a:t>n_features</a:t>
-            </a:r>
-            <a:r>
-              <a:rPr lang="en-US" altLang="ko-KR" i="1" dirty="0"/>
+              <a:rPr lang="en-US" altLang="ko-KR" sz="1600" dirty="0" err="1"/>
+              <a:t>y_i</a:t>
+            </a:r>
+            <a:r>
+              <a:rPr lang="en-US" altLang="ko-KR" sz="1600" dirty="0"/>
+              <a:t> in zip(</a:t>
+            </a:r>
+            <a:r>
+              <a:rPr lang="en-US" altLang="ko-KR" sz="1600" dirty="0" err="1"/>
+              <a:t>x_test</a:t>
+            </a:r>
+            <a:r>
+              <a:rPr lang="en-US" altLang="ko-KR" sz="1600" dirty="0"/>
+              <a:t>, </a:t>
+            </a:r>
+            <a:r>
+              <a:rPr lang="en-US" altLang="ko-KR" sz="1600" dirty="0" err="1"/>
+              <a:t>y_test</a:t>
+            </a:r>
+            <a:r>
+              <a:rPr lang="en-US" altLang="ko-KR" sz="1600" dirty="0"/>
+              <a:t>):</a:t>
+            </a:r>
+            <a:br>
+              <a:rPr lang="en-US" altLang="ko-KR" sz="1600" dirty="0"/>
+            </a:br>
+            <a:r>
+              <a:rPr lang="en-US" altLang="ko-KR" sz="1600" dirty="0"/>
+              <a:t>    predict = logistic(dot(</a:t>
+            </a:r>
+            <a:r>
+              <a:rPr lang="en-US" altLang="ko-KR" sz="1600" dirty="0" err="1"/>
+              <a:t>beta_hat</a:t>
+            </a:r>
+            <a:r>
+              <a:rPr lang="en-US" altLang="ko-KR" sz="1600" dirty="0"/>
+              <a:t>, </a:t>
+            </a:r>
+            <a:r>
+              <a:rPr lang="en-US" altLang="ko-KR" sz="1600" dirty="0" err="1"/>
+              <a:t>x_i</a:t>
+            </a:r>
+            <a:r>
+              <a:rPr lang="en-US" altLang="ko-KR" sz="1600" dirty="0"/>
+              <a:t>))</a:t>
+            </a:r>
+            <a:br>
+              <a:rPr lang="en-US" altLang="ko-KR" sz="1600" dirty="0"/>
+            </a:br>
+            <a:r>
+              <a:rPr lang="en-US" altLang="ko-KR" sz="1600" dirty="0"/>
+              <a:t>    </a:t>
+            </a:r>
+            <a:r>
+              <a:rPr lang="en-US" altLang="ko-KR" sz="1600" dirty="0" err="1"/>
+              <a:t>p_list.append</a:t>
+            </a:r>
+            <a:r>
+              <a:rPr lang="en-US" altLang="ko-KR" sz="1600" dirty="0"/>
+              <a:t>(1 if predict&gt;=0.5 else 0)</a:t>
+            </a:r>
+            <a:br>
+              <a:rPr lang="en-US" altLang="ko-KR" sz="1600" dirty="0"/>
+            </a:br>
+            <a:r>
+              <a:rPr lang="en-US" altLang="ko-KR" sz="1600" dirty="0"/>
+              <a:t/>
+            </a:r>
+            <a:br>
+              <a:rPr lang="en-US" altLang="ko-KR" sz="1600" dirty="0"/>
+            </a:br>
+            <a:r>
+              <a:rPr lang="en-US" altLang="ko-KR" sz="1600" dirty="0"/>
+              <a:t>    if </a:t>
+            </a:r>
+            <a:r>
+              <a:rPr lang="en-US" altLang="ko-KR" sz="1600" dirty="0" err="1"/>
+              <a:t>y_i</a:t>
+            </a:r>
+            <a:r>
+              <a:rPr lang="en-US" altLang="ko-KR" sz="1600" dirty="0"/>
+              <a:t> == 1 and predict &gt;= 0.5:  # TP: paid and we predict paid</a:t>
+            </a:r>
+            <a:br>
+              <a:rPr lang="en-US" altLang="ko-KR" sz="1600" dirty="0"/>
+            </a:br>
+            <a:r>
+              <a:rPr lang="en-US" altLang="ko-KR" sz="1600" dirty="0"/>
+              <a:t>        </a:t>
+            </a:r>
+            <a:r>
+              <a:rPr lang="en-US" altLang="ko-KR" sz="1600" dirty="0" err="1"/>
+              <a:t>true_positives</a:t>
+            </a:r>
+            <a:r>
+              <a:rPr lang="en-US" altLang="ko-KR" sz="1600" dirty="0"/>
+              <a:t> += 1</a:t>
+            </a:r>
+            <a:br>
+              <a:rPr lang="en-US" altLang="ko-KR" sz="1600" dirty="0"/>
+            </a:br>
+            <a:r>
+              <a:rPr lang="en-US" altLang="ko-KR" sz="1600" dirty="0"/>
+              <a:t>    </a:t>
+            </a:r>
+            <a:r>
+              <a:rPr lang="en-US" altLang="ko-KR" sz="1600" dirty="0" err="1"/>
+              <a:t>elif</a:t>
+            </a:r>
+            <a:r>
+              <a:rPr lang="en-US" altLang="ko-KR" sz="1600" dirty="0"/>
+              <a:t> </a:t>
+            </a:r>
+            <a:r>
+              <a:rPr lang="en-US" altLang="ko-KR" sz="1600" dirty="0" err="1"/>
+              <a:t>y_i</a:t>
+            </a:r>
+            <a:r>
+              <a:rPr lang="en-US" altLang="ko-KR" sz="1600" dirty="0"/>
+              <a:t> == 1:                   # FN: paid and we predict unpaid</a:t>
+            </a:r>
+            <a:br>
+              <a:rPr lang="en-US" altLang="ko-KR" sz="1600" dirty="0"/>
+            </a:br>
+            <a:r>
+              <a:rPr lang="en-US" altLang="ko-KR" sz="1600" dirty="0"/>
+              <a:t>        </a:t>
+            </a:r>
+            <a:r>
+              <a:rPr lang="en-US" altLang="ko-KR" sz="1600" dirty="0" err="1"/>
+              <a:t>false_negatives</a:t>
+            </a:r>
+            <a:r>
+              <a:rPr lang="en-US" altLang="ko-KR" sz="1600" dirty="0"/>
+              <a:t> += 1</a:t>
+            </a:r>
+            <a:br>
+              <a:rPr lang="en-US" altLang="ko-KR" sz="1600" dirty="0"/>
+            </a:br>
+            <a:r>
+              <a:rPr lang="en-US" altLang="ko-KR" sz="1600" dirty="0"/>
+              <a:t>    </a:t>
+            </a:r>
+            <a:r>
+              <a:rPr lang="en-US" altLang="ko-KR" sz="1600" dirty="0" err="1"/>
+              <a:t>elif</a:t>
+            </a:r>
+            <a:r>
+              <a:rPr lang="en-US" altLang="ko-KR" sz="1600" dirty="0"/>
+              <a:t> predict &gt;= 0.5:             # FP: unpaid and we predict paid</a:t>
+            </a:r>
+            <a:br>
+              <a:rPr lang="en-US" altLang="ko-KR" sz="1600" dirty="0"/>
+            </a:br>
+            <a:r>
+              <a:rPr lang="en-US" altLang="ko-KR" sz="1600" dirty="0"/>
+              <a:t>        </a:t>
+            </a:r>
+            <a:r>
+              <a:rPr lang="en-US" altLang="ko-KR" sz="1600" dirty="0" err="1"/>
+              <a:t>false_positives</a:t>
+            </a:r>
+            <a:r>
+              <a:rPr lang="en-US" altLang="ko-KR" sz="1600" dirty="0"/>
+              <a:t> += 1</a:t>
+            </a:r>
+            <a:br>
+              <a:rPr lang="en-US" altLang="ko-KR" sz="1600" dirty="0"/>
+            </a:br>
+            <a:r>
+              <a:rPr lang="en-US" altLang="ko-KR" sz="1600" dirty="0"/>
+              <a:t>    else:                            # TN: unpaid and we predict unpaid</a:t>
+            </a:r>
+            <a:br>
+              <a:rPr lang="en-US" altLang="ko-KR" sz="1600" dirty="0"/>
+            </a:br>
+            <a:r>
+              <a:rPr lang="en-US" altLang="ko-KR" sz="1600" dirty="0"/>
+              <a:t>        </a:t>
+            </a:r>
+            <a:r>
+              <a:rPr lang="en-US" altLang="ko-KR" sz="1600" dirty="0" err="1"/>
+              <a:t>true_negatives</a:t>
+            </a:r>
+            <a:r>
+              <a:rPr lang="en-US" altLang="ko-KR" sz="1600" dirty="0"/>
+              <a:t> += </a:t>
+            </a:r>
+            <a:r>
+              <a:rPr lang="en-US" altLang="ko-KR" sz="1600" dirty="0" smtClean="0"/>
+              <a:t>1</a:t>
+            </a:r>
+          </a:p>
+          <a:p>
+            <a:endParaRPr lang="en-US" altLang="ko-KR" sz="1600" dirty="0" smtClean="0"/>
+          </a:p>
+          <a:p>
+            <a:r>
+              <a:rPr lang="en-US" altLang="ko-KR" sz="1600" dirty="0"/>
+              <a:t>precision = </a:t>
+            </a:r>
+            <a:r>
+              <a:rPr lang="en-US" altLang="ko-KR" sz="1600" dirty="0" err="1"/>
+              <a:t>true_positives</a:t>
+            </a:r>
+            <a:r>
+              <a:rPr lang="en-US" altLang="ko-KR" sz="1600" dirty="0"/>
+              <a:t> / (</a:t>
+            </a:r>
+            <a:r>
+              <a:rPr lang="en-US" altLang="ko-KR" sz="1600" dirty="0" err="1"/>
+              <a:t>true_positives</a:t>
+            </a:r>
+            <a:r>
+              <a:rPr lang="en-US" altLang="ko-KR" sz="1600" dirty="0"/>
+              <a:t> + </a:t>
+            </a:r>
+            <a:r>
+              <a:rPr lang="en-US" altLang="ko-KR" sz="1600" dirty="0" err="1"/>
+              <a:t>false_positives</a:t>
+            </a:r>
+            <a:r>
+              <a:rPr lang="en-US" altLang="ko-KR" sz="1600" dirty="0"/>
               <a:t>)</a:t>
             </a:r>
-            <a:r>
-              <a:rPr lang="en-US" altLang="ko-KR" dirty="0"/>
-              <a:t>Coefficient of the features in the decision function.</a:t>
-            </a:r>
-          </a:p>
-          <a:p>
-            <a:pPr lvl="1"/>
-            <a:r>
-              <a:rPr lang="en-US" altLang="ko-KR" b="1" dirty="0"/>
-              <a:t>intercept_</a:t>
-            </a:r>
-            <a:r>
-              <a:rPr lang="en-US" altLang="ko-KR" dirty="0"/>
-              <a:t> : </a:t>
-            </a:r>
-            <a:r>
-              <a:rPr lang="en-US" altLang="ko-KR" i="1" dirty="0"/>
-              <a:t>array, shape (1,) or (</a:t>
-            </a:r>
-            <a:r>
-              <a:rPr lang="en-US" altLang="ko-KR" i="1" dirty="0" err="1"/>
-              <a:t>n_classes</a:t>
-            </a:r>
-            <a:r>
-              <a:rPr lang="en-US" altLang="ko-KR" i="1" dirty="0"/>
-              <a:t>,)</a:t>
-            </a:r>
-            <a:r>
-              <a:rPr lang="en-US" altLang="ko-KR" dirty="0"/>
-              <a:t>Intercept (a.k.a. bias) added to the decision function</a:t>
-            </a:r>
-            <a:r>
-              <a:rPr lang="en-US" altLang="ko-KR" dirty="0" smtClean="0"/>
-              <a:t>.</a:t>
-            </a:r>
-          </a:p>
-          <a:p>
-            <a:r>
-              <a:rPr lang="en-US" altLang="ko-KR" dirty="0" smtClean="0"/>
-              <a:t>Methods</a:t>
-            </a:r>
-          </a:p>
-          <a:p>
-            <a:pPr lvl="1"/>
-            <a:r>
-              <a:rPr lang="en-US" altLang="ko-KR" dirty="0"/>
-              <a:t>fit(X, y[, </a:t>
-            </a:r>
-            <a:r>
-              <a:rPr lang="en-US" altLang="ko-KR" dirty="0" err="1"/>
-              <a:t>sample_weight</a:t>
-            </a:r>
-            <a:r>
-              <a:rPr lang="en-US" altLang="ko-KR" dirty="0" smtClean="0"/>
-              <a:t>]): Fit </a:t>
-            </a:r>
-            <a:r>
-              <a:rPr lang="en-US" altLang="ko-KR" dirty="0"/>
-              <a:t>the model according to the given training data.</a:t>
-            </a:r>
-          </a:p>
-          <a:p>
-            <a:pPr lvl="1"/>
-            <a:r>
-              <a:rPr lang="en-US" altLang="ko-KR" dirty="0"/>
-              <a:t>predict(X)	Predict class labels for samples in </a:t>
-            </a:r>
-            <a:r>
-              <a:rPr lang="en-US" altLang="ko-KR" dirty="0" smtClean="0"/>
-              <a:t>X</a:t>
-            </a:r>
-          </a:p>
-          <a:p>
-            <a:pPr lvl="1"/>
-            <a:r>
-              <a:rPr lang="en-US" altLang="ko-KR" dirty="0" err="1"/>
-              <a:t>predict_proba</a:t>
-            </a:r>
-            <a:r>
-              <a:rPr lang="en-US" altLang="ko-KR" dirty="0"/>
-              <a:t>(X)	Probability estimates</a:t>
-            </a:r>
-            <a:r>
-              <a:rPr lang="en-US" altLang="ko-KR" dirty="0" smtClean="0"/>
-              <a:t>.</a:t>
-            </a:r>
-          </a:p>
-          <a:p>
-            <a:pPr lvl="1"/>
-            <a:r>
-              <a:rPr lang="en-US" altLang="ko-KR" dirty="0"/>
-              <a:t>score(X, y[, </a:t>
-            </a:r>
-            <a:r>
-              <a:rPr lang="en-US" altLang="ko-KR" dirty="0" err="1"/>
-              <a:t>sample_weight</a:t>
-            </a:r>
-            <a:r>
-              <a:rPr lang="en-US" altLang="ko-KR" dirty="0"/>
-              <a:t>])	Returns the mean accuracy on the given test data and labels.</a:t>
-            </a:r>
-            <a:endParaRPr lang="ko-KR" altLang="en-US" dirty="0"/>
+            <a:br>
+              <a:rPr lang="en-US" altLang="ko-KR" sz="1600" dirty="0"/>
+            </a:br>
+            <a:r>
+              <a:rPr lang="en-US" altLang="ko-KR" sz="1600" dirty="0"/>
+              <a:t>recall = </a:t>
+            </a:r>
+            <a:r>
+              <a:rPr lang="en-US" altLang="ko-KR" sz="1600" dirty="0" err="1"/>
+              <a:t>true_positives</a:t>
+            </a:r>
+            <a:r>
+              <a:rPr lang="en-US" altLang="ko-KR" sz="1600" dirty="0"/>
+              <a:t> / (</a:t>
+            </a:r>
+            <a:r>
+              <a:rPr lang="en-US" altLang="ko-KR" sz="1600" dirty="0" err="1"/>
+              <a:t>true_positives</a:t>
+            </a:r>
+            <a:r>
+              <a:rPr lang="en-US" altLang="ko-KR" sz="1600" dirty="0"/>
+              <a:t> + </a:t>
+            </a:r>
+            <a:r>
+              <a:rPr lang="en-US" altLang="ko-KR" sz="1600" dirty="0" err="1"/>
+              <a:t>false_negatives</a:t>
+            </a:r>
+            <a:r>
+              <a:rPr lang="en-US" altLang="ko-KR" sz="1600" dirty="0" smtClean="0"/>
+              <a:t>)</a:t>
+            </a:r>
+            <a:endParaRPr lang="ko-KR" altLang="en-US" sz="1600" dirty="0"/>
           </a:p>
         </p:txBody>
       </p:sp>
     </p:spTree>
     <p:extLst>
       <p:ext uri="{BB962C8B-B14F-4D97-AF65-F5344CB8AC3E}">
-        <p14:creationId xmlns:p14="http://schemas.microsoft.com/office/powerpoint/2010/main" val="3087185966"/>
+        <p14:creationId xmlns:p14="http://schemas.microsoft.com/office/powerpoint/2010/main" val="1789241940"/>
       </p:ext>
     </p:extLst>
   </p:cSld>
@@ -7065,27 +7998,334 @@
       </p:sp>
       <p:sp>
         <p:nvSpPr>
-          <p:cNvPr id="3" name="내용 개체 틀 2"/>
-          <p:cNvSpPr>
-            <a:spLocks noGrp="1"/>
-          </p:cNvSpPr>
-          <p:nvPr>
-            <p:ph idx="1"/>
-          </p:nvPr>
+          <p:cNvPr id="5" name="TextBox 4"/>
+          <p:cNvSpPr txBox="1"/>
+          <p:nvPr/>
         </p:nvSpPr>
-        <p:spPr/>
+        <p:spPr>
+          <a:xfrm>
+            <a:off x="755576" y="1196752"/>
+            <a:ext cx="6303200" cy="4031873"/>
+          </a:xfrm>
+          <a:prstGeom prst="rect">
+            <a:avLst/>
+          </a:prstGeom>
+        </p:spPr>
+        <p:style>
+          <a:lnRef idx="2">
+            <a:schemeClr val="dk1"/>
+          </a:lnRef>
+          <a:fillRef idx="1">
+            <a:schemeClr val="lt1"/>
+          </a:fillRef>
+          <a:effectRef idx="0">
+            <a:schemeClr val="dk1"/>
+          </a:effectRef>
+          <a:fontRef idx="minor">
+            <a:schemeClr val="dk1"/>
+          </a:fontRef>
+        </p:style>
         <p:txBody>
-          <a:bodyPr/>
+          <a:bodyPr wrap="none" rtlCol="0">
+            <a:spAutoFit/>
+          </a:bodyPr>
           <a:lstStyle/>
           <a:p>
-            <a:endParaRPr lang="ko-KR" altLang="en-US" dirty="0"/>
+            <a:r>
+              <a:rPr lang="en-US" altLang="ko-KR" sz="1600" dirty="0"/>
+              <a:t># by </a:t>
+            </a:r>
+            <a:r>
+              <a:rPr lang="en-US" altLang="ko-KR" sz="1600" dirty="0" err="1" smtClean="0"/>
+              <a:t>Scikit</a:t>
+            </a:r>
+            <a:r>
+              <a:rPr lang="en-US" altLang="ko-KR" sz="1600" dirty="0" smtClean="0"/>
+              <a:t>-Learn</a:t>
+            </a:r>
+          </a:p>
+          <a:p>
+            <a:endParaRPr lang="en-US" altLang="ko-KR" sz="1600" dirty="0" smtClean="0"/>
+          </a:p>
+          <a:p>
+            <a:r>
+              <a:rPr lang="en-US" altLang="ko-KR" sz="1600" dirty="0" smtClean="0"/>
+              <a:t>predict2 = </a:t>
+            </a:r>
+            <a:r>
+              <a:rPr lang="en-US" altLang="ko-KR" sz="1600" dirty="0" err="1" smtClean="0"/>
+              <a:t>LogReg.predict</a:t>
+            </a:r>
+            <a:r>
+              <a:rPr lang="en-US" altLang="ko-KR" sz="1600" dirty="0" smtClean="0"/>
+              <a:t>(</a:t>
+            </a:r>
+            <a:r>
+              <a:rPr lang="en-US" altLang="ko-KR" sz="1600" dirty="0" err="1" smtClean="0"/>
+              <a:t>x_test</a:t>
+            </a:r>
+            <a:r>
+              <a:rPr lang="en-US" altLang="ko-KR" sz="1600" dirty="0" smtClean="0"/>
+              <a:t>)</a:t>
+            </a:r>
+          </a:p>
+          <a:p>
+            <a:r>
+              <a:rPr lang="en-US" altLang="ko-KR" sz="1600" dirty="0" smtClean="0"/>
+              <a:t>for </a:t>
+            </a:r>
+            <a:r>
+              <a:rPr lang="en-US" altLang="ko-KR" sz="1600" dirty="0" err="1"/>
+              <a:t>p_i</a:t>
+            </a:r>
+            <a:r>
+              <a:rPr lang="en-US" altLang="ko-KR" sz="1600" dirty="0"/>
+              <a:t>, </a:t>
+            </a:r>
+            <a:r>
+              <a:rPr lang="en-US" altLang="ko-KR" sz="1600" dirty="0" err="1"/>
+              <a:t>y_i</a:t>
+            </a:r>
+            <a:r>
+              <a:rPr lang="en-US" altLang="ko-KR" sz="1600" dirty="0"/>
+              <a:t> in </a:t>
+            </a:r>
+            <a:r>
+              <a:rPr lang="en-US" altLang="ko-KR" sz="1600" dirty="0" smtClean="0"/>
+              <a:t>zip(</a:t>
+            </a:r>
+            <a:r>
+              <a:rPr lang="en-US" altLang="ko-KR" sz="1600" dirty="0"/>
+              <a:t>predict2</a:t>
+            </a:r>
+            <a:r>
+              <a:rPr lang="en-US" altLang="ko-KR" sz="1600" dirty="0" smtClean="0"/>
+              <a:t>, </a:t>
+            </a:r>
+            <a:r>
+              <a:rPr lang="en-US" altLang="ko-KR" sz="1600" dirty="0" err="1"/>
+              <a:t>y_test</a:t>
+            </a:r>
+            <a:r>
+              <a:rPr lang="en-US" altLang="ko-KR" sz="1600" dirty="0"/>
+              <a:t>):</a:t>
+            </a:r>
+            <a:br>
+              <a:rPr lang="en-US" altLang="ko-KR" sz="1600" dirty="0"/>
+            </a:br>
+            <a:r>
+              <a:rPr lang="en-US" altLang="ko-KR" sz="1600" dirty="0"/>
+              <a:t>    if </a:t>
+            </a:r>
+            <a:r>
+              <a:rPr lang="en-US" altLang="ko-KR" sz="1600" dirty="0" err="1"/>
+              <a:t>y_i</a:t>
+            </a:r>
+            <a:r>
+              <a:rPr lang="en-US" altLang="ko-KR" sz="1600" dirty="0"/>
+              <a:t> == 1 and </a:t>
+            </a:r>
+            <a:r>
+              <a:rPr lang="en-US" altLang="ko-KR" sz="1600" dirty="0" err="1"/>
+              <a:t>p_i</a:t>
+            </a:r>
+            <a:r>
+              <a:rPr lang="en-US" altLang="ko-KR" sz="1600" dirty="0"/>
+              <a:t> == 1:  # TP: paid and we predict paid</a:t>
+            </a:r>
+            <a:br>
+              <a:rPr lang="en-US" altLang="ko-KR" sz="1600" dirty="0"/>
+            </a:br>
+            <a:r>
+              <a:rPr lang="en-US" altLang="ko-KR" sz="1600" dirty="0"/>
+              <a:t>        </a:t>
+            </a:r>
+            <a:r>
+              <a:rPr lang="en-US" altLang="ko-KR" sz="1600" dirty="0" err="1"/>
+              <a:t>true_positives</a:t>
+            </a:r>
+            <a:r>
+              <a:rPr lang="en-US" altLang="ko-KR" sz="1600" dirty="0"/>
+              <a:t> += 1</a:t>
+            </a:r>
+            <a:br>
+              <a:rPr lang="en-US" altLang="ko-KR" sz="1600" dirty="0"/>
+            </a:br>
+            <a:r>
+              <a:rPr lang="en-US" altLang="ko-KR" sz="1600" dirty="0"/>
+              <a:t>    </a:t>
+            </a:r>
+            <a:r>
+              <a:rPr lang="en-US" altLang="ko-KR" sz="1600" dirty="0" err="1"/>
+              <a:t>elif</a:t>
+            </a:r>
+            <a:r>
+              <a:rPr lang="en-US" altLang="ko-KR" sz="1600" dirty="0"/>
+              <a:t> </a:t>
+            </a:r>
+            <a:r>
+              <a:rPr lang="en-US" altLang="ko-KR" sz="1600" dirty="0" err="1"/>
+              <a:t>y_i</a:t>
+            </a:r>
+            <a:r>
+              <a:rPr lang="en-US" altLang="ko-KR" sz="1600" dirty="0"/>
+              <a:t> == 1:                   # FN: paid and we predict unpaid</a:t>
+            </a:r>
+            <a:br>
+              <a:rPr lang="en-US" altLang="ko-KR" sz="1600" dirty="0"/>
+            </a:br>
+            <a:r>
+              <a:rPr lang="en-US" altLang="ko-KR" sz="1600" dirty="0"/>
+              <a:t>        </a:t>
+            </a:r>
+            <a:r>
+              <a:rPr lang="en-US" altLang="ko-KR" sz="1600" dirty="0" err="1"/>
+              <a:t>false_negatives</a:t>
+            </a:r>
+            <a:r>
+              <a:rPr lang="en-US" altLang="ko-KR" sz="1600" dirty="0"/>
+              <a:t> += 1</a:t>
+            </a:r>
+            <a:br>
+              <a:rPr lang="en-US" altLang="ko-KR" sz="1600" dirty="0"/>
+            </a:br>
+            <a:r>
+              <a:rPr lang="en-US" altLang="ko-KR" sz="1600" dirty="0"/>
+              <a:t>    </a:t>
+            </a:r>
+            <a:r>
+              <a:rPr lang="en-US" altLang="ko-KR" sz="1600" dirty="0" err="1"/>
+              <a:t>elif</a:t>
+            </a:r>
+            <a:r>
+              <a:rPr lang="en-US" altLang="ko-KR" sz="1600" dirty="0"/>
+              <a:t> </a:t>
+            </a:r>
+            <a:r>
+              <a:rPr lang="en-US" altLang="ko-KR" sz="1600" dirty="0" err="1"/>
+              <a:t>p_i</a:t>
+            </a:r>
+            <a:r>
+              <a:rPr lang="en-US" altLang="ko-KR" sz="1600" dirty="0"/>
+              <a:t> == 1:             # FP: unpaid and we predict paid</a:t>
+            </a:r>
+            <a:br>
+              <a:rPr lang="en-US" altLang="ko-KR" sz="1600" dirty="0"/>
+            </a:br>
+            <a:r>
+              <a:rPr lang="en-US" altLang="ko-KR" sz="1600" dirty="0"/>
+              <a:t>        </a:t>
+            </a:r>
+            <a:r>
+              <a:rPr lang="en-US" altLang="ko-KR" sz="1600" dirty="0" err="1"/>
+              <a:t>false_positives</a:t>
+            </a:r>
+            <a:r>
+              <a:rPr lang="en-US" altLang="ko-KR" sz="1600" dirty="0"/>
+              <a:t> += 1</a:t>
+            </a:r>
+            <a:br>
+              <a:rPr lang="en-US" altLang="ko-KR" sz="1600" dirty="0"/>
+            </a:br>
+            <a:r>
+              <a:rPr lang="en-US" altLang="ko-KR" sz="1600" dirty="0"/>
+              <a:t>    else:                            # TN: unpaid and we predict unpaid</a:t>
+            </a:r>
+            <a:br>
+              <a:rPr lang="en-US" altLang="ko-KR" sz="1600" dirty="0"/>
+            </a:br>
+            <a:r>
+              <a:rPr lang="en-US" altLang="ko-KR" sz="1600" dirty="0"/>
+              <a:t>        </a:t>
+            </a:r>
+            <a:r>
+              <a:rPr lang="en-US" altLang="ko-KR" sz="1600" dirty="0" err="1"/>
+              <a:t>true_negatives</a:t>
+            </a:r>
+            <a:r>
+              <a:rPr lang="en-US" altLang="ko-KR" sz="1600" dirty="0"/>
+              <a:t> += 1</a:t>
+            </a:r>
+            <a:br>
+              <a:rPr lang="en-US" altLang="ko-KR" sz="1600" dirty="0"/>
+            </a:br>
+            <a:r>
+              <a:rPr lang="en-US" altLang="ko-KR" sz="1600" dirty="0"/>
+              <a:t/>
+            </a:r>
+            <a:br>
+              <a:rPr lang="en-US" altLang="ko-KR" sz="1600" dirty="0"/>
+            </a:br>
+            <a:r>
+              <a:rPr lang="en-US" altLang="ko-KR" sz="1600" dirty="0"/>
+              <a:t>precision = </a:t>
+            </a:r>
+            <a:r>
+              <a:rPr lang="en-US" altLang="ko-KR" sz="1600" dirty="0" err="1"/>
+              <a:t>true_positives</a:t>
+            </a:r>
+            <a:r>
+              <a:rPr lang="en-US" altLang="ko-KR" sz="1600" dirty="0"/>
+              <a:t> / (</a:t>
+            </a:r>
+            <a:r>
+              <a:rPr lang="en-US" altLang="ko-KR" sz="1600" dirty="0" err="1"/>
+              <a:t>true_positives</a:t>
+            </a:r>
+            <a:r>
+              <a:rPr lang="en-US" altLang="ko-KR" sz="1600" dirty="0"/>
+              <a:t> + </a:t>
+            </a:r>
+            <a:r>
+              <a:rPr lang="en-US" altLang="ko-KR" sz="1600" dirty="0" err="1"/>
+              <a:t>false_positives</a:t>
+            </a:r>
+            <a:r>
+              <a:rPr lang="en-US" altLang="ko-KR" sz="1600" dirty="0"/>
+              <a:t>)</a:t>
+            </a:r>
+            <a:br>
+              <a:rPr lang="en-US" altLang="ko-KR" sz="1600" dirty="0"/>
+            </a:br>
+            <a:r>
+              <a:rPr lang="en-US" altLang="ko-KR" sz="1600" dirty="0"/>
+              <a:t>recall = </a:t>
+            </a:r>
+            <a:r>
+              <a:rPr lang="en-US" altLang="ko-KR" sz="1600" dirty="0" err="1"/>
+              <a:t>true_positives</a:t>
+            </a:r>
+            <a:r>
+              <a:rPr lang="en-US" altLang="ko-KR" sz="1600" dirty="0"/>
+              <a:t> / (</a:t>
+            </a:r>
+            <a:r>
+              <a:rPr lang="en-US" altLang="ko-KR" sz="1600" dirty="0" err="1"/>
+              <a:t>true_positives</a:t>
+            </a:r>
+            <a:r>
+              <a:rPr lang="en-US" altLang="ko-KR" sz="1600" dirty="0"/>
+              <a:t> + </a:t>
+            </a:r>
+            <a:r>
+              <a:rPr lang="en-US" altLang="ko-KR" sz="1600" dirty="0" err="1"/>
+              <a:t>false_negatives</a:t>
+            </a:r>
+            <a:r>
+              <a:rPr lang="en-US" altLang="ko-KR" sz="1600" dirty="0"/>
+              <a:t>)</a:t>
+            </a:r>
+            <a:br>
+              <a:rPr lang="en-US" altLang="ko-KR" sz="1600" dirty="0"/>
+            </a:br>
+            <a:endParaRPr lang="ko-KR" altLang="en-US" sz="1600" dirty="0"/>
           </a:p>
         </p:txBody>
       </p:sp>
     </p:spTree>
     <p:extLst>
       <p:ext uri="{BB962C8B-B14F-4D97-AF65-F5344CB8AC3E}">
-        <p14:creationId xmlns:p14="http://schemas.microsoft.com/office/powerpoint/2010/main" val="1789241940"/>
+        <p14:creationId xmlns:p14="http://schemas.microsoft.com/office/powerpoint/2010/main" val="2642601066"/>
       </p:ext>
     </p:extLst>
   </p:cSld>
